--- a/mei/graupner_hertzlich/Présentation_groupe_MEI.pptx
+++ b/mei/graupner_hertzlich/Présentation_groupe_MEI.pptx
@@ -5,16 +5,24 @@
     <p:sldMasterId id="2147483714" r:id="rId1"/>
   </p:sldMasterIdLst>
   <p:notesMasterIdLst>
-    <p:notesMasterId r:id="rId9"/>
+    <p:notesMasterId r:id="rId17"/>
   </p:notesMasterIdLst>
   <p:sldIdLst>
     <p:sldId id="256" r:id="rId2"/>
     <p:sldId id="257" r:id="rId3"/>
     <p:sldId id="258" r:id="rId4"/>
     <p:sldId id="259" r:id="rId5"/>
-    <p:sldId id="260" r:id="rId6"/>
-    <p:sldId id="262" r:id="rId7"/>
-    <p:sldId id="261" r:id="rId8"/>
+    <p:sldId id="267" r:id="rId6"/>
+    <p:sldId id="268" r:id="rId7"/>
+    <p:sldId id="269" r:id="rId8"/>
+    <p:sldId id="264" r:id="rId9"/>
+    <p:sldId id="265" r:id="rId10"/>
+    <p:sldId id="263" r:id="rId11"/>
+    <p:sldId id="266" r:id="rId12"/>
+    <p:sldId id="262" r:id="rId13"/>
+    <p:sldId id="261" r:id="rId14"/>
+    <p:sldId id="270" r:id="rId15"/>
+    <p:sldId id="271" r:id="rId16"/>
   </p:sldIdLst>
   <p:sldSz cx="12192000" cy="6858000"/>
   <p:notesSz cx="6858000" cy="9144000"/>
@@ -121,6 +129,12 @@
 </p:presentation>
 </file>
 
+<file path=ppt/authors.xml><?xml version="1.0" encoding="utf-8"?>
+<p188:authorLst xmlns:a="http://schemas.openxmlformats.org/drawingml/2006/main" xmlns:r="http://schemas.openxmlformats.org/officeDocument/2006/relationships" xmlns:p188="http://schemas.microsoft.com/office/powerpoint/2018/8/main">
+  <p188:author id="{B198E810-D027-B90C-394C-DF7C3677F3B4}" name="Regina Sophie Reiland" initials="RSR" userId="S::regina.s.reiland@stud.hfmt-koeln.de::88426272-6ed3-43d2-9b71-606a1d7f88cc" providerId="AD"/>
+</p188:authorLst>
+</file>
+
 <file path=ppt/notesMasters/notesMaster1.xml><?xml version="1.0" encoding="utf-8"?>
 <p:notesMaster xmlns:a="http://schemas.openxmlformats.org/drawingml/2006/main" xmlns:r="http://schemas.openxmlformats.org/officeDocument/2006/relationships" xmlns:p="http://schemas.openxmlformats.org/presentationml/2006/main">
   <p:cSld>
@@ -203,7 +217,7 @@
           <a:p>
             <a:fld id="{D61DAB5A-11BB-49B9-85FC-3A4C5D64DB3D}" type="datetimeFigureOut">
               <a:rPr lang="fr-FR" smtClean="0"/>
-              <a:t>31/05/2024</a:t>
+              <a:t>06/06/2024</a:t>
             </a:fld>
             <a:endParaRPr lang="fr-FR"/>
           </a:p>
@@ -6587,6 +6601,2879 @@
 </p:sld>
 </file>
 
+<file path=ppt/slides/slide10.xml><?xml version="1.0" encoding="utf-8"?>
+<p:sld xmlns:a="http://schemas.openxmlformats.org/drawingml/2006/main" xmlns:r="http://schemas.openxmlformats.org/officeDocument/2006/relationships" xmlns:p="http://schemas.openxmlformats.org/presentationml/2006/main">
+  <p:cSld>
+    <p:spTree>
+      <p:nvGrpSpPr>
+        <p:cNvPr id="1" name=""/>
+        <p:cNvGrpSpPr/>
+        <p:nvPr/>
+      </p:nvGrpSpPr>
+      <p:grpSpPr>
+        <a:xfrm>
+          <a:off x="0" y="0"/>
+          <a:ext cx="0" cy="0"/>
+          <a:chOff x="0" y="0"/>
+          <a:chExt cx="0" cy="0"/>
+        </a:xfrm>
+      </p:grpSpPr>
+      <p:sp>
+        <p:nvSpPr>
+          <p:cNvPr id="2" name="Titel 1">
+            <a:extLst>
+              <a:ext uri="{FF2B5EF4-FFF2-40B4-BE49-F238E27FC236}">
+                <a16:creationId xmlns:a16="http://schemas.microsoft.com/office/drawing/2014/main" id="{7BF1B63E-AA1D-2C8E-F595-70935164AD47}"/>
+              </a:ext>
+            </a:extLst>
+          </p:cNvPr>
+          <p:cNvSpPr>
+            <a:spLocks noGrp="1"/>
+          </p:cNvSpPr>
+          <p:nvPr>
+            <p:ph type="title"/>
+          </p:nvPr>
+        </p:nvSpPr>
+        <p:spPr/>
+        <p:txBody>
+          <a:bodyPr/>
+          <a:lstStyle/>
+          <a:p>
+            <a:r>
+              <a:rPr lang="fr-FR" dirty="0"/>
+              <a:t>Structure logique du </a:t>
+            </a:r>
+            <a:r>
+              <a:rPr lang="fr-FR" dirty="0" err="1"/>
+              <a:t>meiHead</a:t>
+            </a:r>
+            <a:r>
+              <a:rPr lang="fr-FR" dirty="0"/>
+              <a:t> (1)</a:t>
+            </a:r>
+          </a:p>
+        </p:txBody>
+      </p:sp>
+      <p:sp>
+        <p:nvSpPr>
+          <p:cNvPr id="3" name="Inhaltsplatzhalter 2">
+            <a:extLst>
+              <a:ext uri="{FF2B5EF4-FFF2-40B4-BE49-F238E27FC236}">
+                <a16:creationId xmlns:a16="http://schemas.microsoft.com/office/drawing/2014/main" id="{511BDA7C-C631-9BD9-EF2F-E0F1A5E41E81}"/>
+              </a:ext>
+            </a:extLst>
+          </p:cNvPr>
+          <p:cNvSpPr>
+            <a:spLocks noGrp="1"/>
+          </p:cNvSpPr>
+          <p:nvPr>
+            <p:ph idx="1"/>
+          </p:nvPr>
+        </p:nvSpPr>
+        <p:spPr/>
+        <p:txBody>
+          <a:bodyPr/>
+          <a:lstStyle/>
+          <a:p>
+            <a:pPr marL="36900" indent="0">
+              <a:buNone/>
+            </a:pPr>
+            <a:r>
+              <a:rPr lang="fr-FR" dirty="0"/>
+              <a:t>&lt;</a:t>
+            </a:r>
+            <a:r>
+              <a:rPr lang="fr-FR" dirty="0" err="1"/>
+              <a:t>fileDesc</a:t>
+            </a:r>
+            <a:r>
+              <a:rPr lang="fr-FR" dirty="0"/>
+              <a:t>&gt;</a:t>
+            </a:r>
+          </a:p>
+          <a:p>
+            <a:r>
+              <a:rPr lang="fr-FR" dirty="0"/>
+              <a:t>&lt;</a:t>
+            </a:r>
+            <a:r>
+              <a:rPr lang="fr-FR" dirty="0" err="1"/>
+              <a:t>titleStmt</a:t>
+            </a:r>
+            <a:r>
+              <a:rPr lang="fr-FR" dirty="0"/>
+              <a:t>&gt;</a:t>
+            </a:r>
+          </a:p>
+          <a:p>
+            <a:r>
+              <a:rPr lang="fr-FR" dirty="0"/>
+              <a:t>&lt;</a:t>
+            </a:r>
+            <a:r>
+              <a:rPr lang="fr-FR" dirty="0" err="1"/>
+              <a:t>editionStmt</a:t>
+            </a:r>
+            <a:r>
+              <a:rPr lang="fr-FR" dirty="0"/>
+              <a:t>&gt;</a:t>
+            </a:r>
+          </a:p>
+          <a:p>
+            <a:r>
+              <a:rPr lang="fr-FR" dirty="0"/>
+              <a:t>&lt;</a:t>
+            </a:r>
+            <a:r>
+              <a:rPr lang="fr-FR" dirty="0" err="1"/>
+              <a:t>pubStmt</a:t>
+            </a:r>
+            <a:r>
+              <a:rPr lang="fr-FR" dirty="0"/>
+              <a:t>&gt;</a:t>
+            </a:r>
+          </a:p>
+          <a:p>
+            <a:r>
+              <a:rPr lang="fr-FR" dirty="0"/>
+              <a:t>&lt;</a:t>
+            </a:r>
+            <a:r>
+              <a:rPr lang="fr-FR" dirty="0" err="1"/>
+              <a:t>sourceDesc</a:t>
+            </a:r>
+            <a:r>
+              <a:rPr lang="fr-FR" dirty="0"/>
+              <a:t>&gt;</a:t>
+            </a:r>
+          </a:p>
+          <a:p>
+            <a:pPr marL="36900" indent="0">
+              <a:buNone/>
+            </a:pPr>
+            <a:r>
+              <a:rPr lang="fr-FR" dirty="0"/>
+              <a:t>&lt;</a:t>
+            </a:r>
+            <a:r>
+              <a:rPr lang="fr-FR" dirty="0" err="1"/>
+              <a:t>encodingDesc</a:t>
+            </a:r>
+            <a:r>
+              <a:rPr lang="fr-FR" dirty="0"/>
+              <a:t>&gt;</a:t>
+            </a:r>
+          </a:p>
+          <a:p>
+            <a:r>
+              <a:rPr lang="fr-FR" dirty="0"/>
+              <a:t>&lt;</a:t>
+            </a:r>
+            <a:r>
+              <a:rPr lang="fr-FR" dirty="0" err="1"/>
+              <a:t>appInfo</a:t>
+            </a:r>
+            <a:r>
+              <a:rPr lang="fr-FR" dirty="0"/>
+              <a:t>&gt;</a:t>
+            </a:r>
+          </a:p>
+          <a:p>
+            <a:r>
+              <a:rPr lang="fr-FR" dirty="0"/>
+              <a:t>&lt;</a:t>
+            </a:r>
+            <a:r>
+              <a:rPr lang="fr-FR" dirty="0" err="1"/>
+              <a:t>editorialDecl</a:t>
+            </a:r>
+            <a:r>
+              <a:rPr lang="fr-FR" dirty="0"/>
+              <a:t>&gt;</a:t>
+            </a:r>
+          </a:p>
+        </p:txBody>
+      </p:sp>
+      <p:sp>
+        <p:nvSpPr>
+          <p:cNvPr id="4" name="Datumsplatzhalter 3">
+            <a:extLst>
+              <a:ext uri="{FF2B5EF4-FFF2-40B4-BE49-F238E27FC236}">
+                <a16:creationId xmlns:a16="http://schemas.microsoft.com/office/drawing/2014/main" id="{21C60E0C-0C7C-9417-79A8-4084D12B25C5}"/>
+              </a:ext>
+            </a:extLst>
+          </p:cNvPr>
+          <p:cNvSpPr>
+            <a:spLocks noGrp="1"/>
+          </p:cNvSpPr>
+          <p:nvPr>
+            <p:ph type="dt" sz="half" idx="10"/>
+          </p:nvPr>
+        </p:nvSpPr>
+        <p:spPr/>
+        <p:txBody>
+          <a:bodyPr/>
+          <a:lstStyle/>
+          <a:p>
+            <a:r>
+              <a:rPr lang="fr-FR"/>
+              <a:t>11/06/2024</a:t>
+            </a:r>
+          </a:p>
+        </p:txBody>
+      </p:sp>
+      <p:sp>
+        <p:nvSpPr>
+          <p:cNvPr id="5" name="Fußzeilenplatzhalter 4">
+            <a:extLst>
+              <a:ext uri="{FF2B5EF4-FFF2-40B4-BE49-F238E27FC236}">
+                <a16:creationId xmlns:a16="http://schemas.microsoft.com/office/drawing/2014/main" id="{E0075A1B-8486-7366-EC05-7E6BEF290EA5}"/>
+              </a:ext>
+            </a:extLst>
+          </p:cNvPr>
+          <p:cNvSpPr>
+            <a:spLocks noGrp="1"/>
+          </p:cNvSpPr>
+          <p:nvPr>
+            <p:ph type="ftr" sz="quarter" idx="11"/>
+          </p:nvPr>
+        </p:nvSpPr>
+        <p:spPr/>
+        <p:txBody>
+          <a:bodyPr/>
+          <a:lstStyle/>
+          <a:p>
+            <a:r>
+              <a:rPr lang="fr-FR"/>
+              <a:t>Sophie Reiland-Mézil, Sorbonne Université</a:t>
+            </a:r>
+          </a:p>
+        </p:txBody>
+      </p:sp>
+      <p:sp>
+        <p:nvSpPr>
+          <p:cNvPr id="6" name="Foliennummernplatzhalter 5">
+            <a:extLst>
+              <a:ext uri="{FF2B5EF4-FFF2-40B4-BE49-F238E27FC236}">
+                <a16:creationId xmlns:a16="http://schemas.microsoft.com/office/drawing/2014/main" id="{535EDD31-53BF-6332-85AC-2C665D49C800}"/>
+              </a:ext>
+            </a:extLst>
+          </p:cNvPr>
+          <p:cNvSpPr>
+            <a:spLocks noGrp="1"/>
+          </p:cNvSpPr>
+          <p:nvPr>
+            <p:ph type="sldNum" sz="quarter" idx="12"/>
+          </p:nvPr>
+        </p:nvSpPr>
+        <p:spPr/>
+        <p:txBody>
+          <a:bodyPr/>
+          <a:lstStyle/>
+          <a:p>
+            <a:fld id="{6DF8D168-963E-48B1-A7EC-C96E46BCD5F7}" type="slidenum">
+              <a:rPr lang="fr-FR" smtClean="0"/>
+              <a:t>10</a:t>
+            </a:fld>
+            <a:endParaRPr lang="fr-FR"/>
+          </a:p>
+        </p:txBody>
+      </p:sp>
+    </p:spTree>
+    <p:extLst>
+      <p:ext uri="{BB962C8B-B14F-4D97-AF65-F5344CB8AC3E}">
+        <p14:creationId xmlns:p14="http://schemas.microsoft.com/office/powerpoint/2010/main" val="1375665047"/>
+      </p:ext>
+    </p:extLst>
+  </p:cSld>
+  <p:clrMapOvr>
+    <a:masterClrMapping/>
+  </p:clrMapOvr>
+</p:sld>
+</file>
+
+<file path=ppt/slides/slide11.xml><?xml version="1.0" encoding="utf-8"?>
+<p:sld xmlns:a="http://schemas.openxmlformats.org/drawingml/2006/main" xmlns:r="http://schemas.openxmlformats.org/officeDocument/2006/relationships" xmlns:p="http://schemas.openxmlformats.org/presentationml/2006/main">
+  <p:cSld>
+    <p:spTree>
+      <p:nvGrpSpPr>
+        <p:cNvPr id="1" name=""/>
+        <p:cNvGrpSpPr/>
+        <p:nvPr/>
+      </p:nvGrpSpPr>
+      <p:grpSpPr>
+        <a:xfrm>
+          <a:off x="0" y="0"/>
+          <a:ext cx="0" cy="0"/>
+          <a:chOff x="0" y="0"/>
+          <a:chExt cx="0" cy="0"/>
+        </a:xfrm>
+      </p:grpSpPr>
+      <p:sp>
+        <p:nvSpPr>
+          <p:cNvPr id="2" name="Titel 1">
+            <a:extLst>
+              <a:ext uri="{FF2B5EF4-FFF2-40B4-BE49-F238E27FC236}">
+                <a16:creationId xmlns:a16="http://schemas.microsoft.com/office/drawing/2014/main" id="{0DF7F6E5-9EF7-44C5-7340-1D69892C3DB3}"/>
+              </a:ext>
+            </a:extLst>
+          </p:cNvPr>
+          <p:cNvSpPr>
+            <a:spLocks noGrp="1"/>
+          </p:cNvSpPr>
+          <p:nvPr>
+            <p:ph type="title"/>
+          </p:nvPr>
+        </p:nvSpPr>
+        <p:spPr/>
+        <p:txBody>
+          <a:bodyPr/>
+          <a:lstStyle/>
+          <a:p>
+            <a:r>
+              <a:rPr lang="fr-FR" dirty="0"/>
+              <a:t>Structure logique du </a:t>
+            </a:r>
+            <a:r>
+              <a:rPr lang="fr-FR" dirty="0" err="1"/>
+              <a:t>meiHead</a:t>
+            </a:r>
+            <a:r>
+              <a:rPr lang="fr-FR" dirty="0"/>
+              <a:t> (2)</a:t>
+            </a:r>
+          </a:p>
+        </p:txBody>
+      </p:sp>
+      <p:sp>
+        <p:nvSpPr>
+          <p:cNvPr id="3" name="Inhaltsplatzhalter 2">
+            <a:extLst>
+              <a:ext uri="{FF2B5EF4-FFF2-40B4-BE49-F238E27FC236}">
+                <a16:creationId xmlns:a16="http://schemas.microsoft.com/office/drawing/2014/main" id="{43DA0300-3381-0188-215A-581439CADC49}"/>
+              </a:ext>
+            </a:extLst>
+          </p:cNvPr>
+          <p:cNvSpPr>
+            <a:spLocks noGrp="1"/>
+          </p:cNvSpPr>
+          <p:nvPr>
+            <p:ph idx="1"/>
+          </p:nvPr>
+        </p:nvSpPr>
+        <p:spPr/>
+        <p:txBody>
+          <a:bodyPr/>
+          <a:lstStyle/>
+          <a:p>
+            <a:pPr marL="36900" indent="0">
+              <a:buNone/>
+            </a:pPr>
+            <a:r>
+              <a:rPr lang="fr-FR" dirty="0"/>
+              <a:t>&lt;</a:t>
+            </a:r>
+            <a:r>
+              <a:rPr lang="fr-FR" dirty="0" err="1"/>
+              <a:t>workList</a:t>
+            </a:r>
+            <a:r>
+              <a:rPr lang="fr-FR" dirty="0"/>
+              <a:t>&gt;</a:t>
+            </a:r>
+          </a:p>
+          <a:p>
+            <a:r>
+              <a:rPr lang="fr-FR" dirty="0"/>
+              <a:t>&lt;</a:t>
+            </a:r>
+            <a:r>
+              <a:rPr lang="fr-FR" dirty="0" err="1"/>
+              <a:t>work</a:t>
+            </a:r>
+            <a:r>
+              <a:rPr lang="fr-FR" dirty="0"/>
+              <a:t>&gt;</a:t>
+            </a:r>
+          </a:p>
+          <a:p>
+            <a:pPr marL="36900" indent="0">
+              <a:buNone/>
+            </a:pPr>
+            <a:r>
+              <a:rPr lang="fr-FR" dirty="0"/>
+              <a:t>&lt;</a:t>
+            </a:r>
+            <a:r>
+              <a:rPr lang="fr-FR" dirty="0" err="1"/>
+              <a:t>manifestationList</a:t>
+            </a:r>
+            <a:r>
+              <a:rPr lang="fr-FR" dirty="0"/>
+              <a:t>&gt;</a:t>
+            </a:r>
+          </a:p>
+          <a:p>
+            <a:r>
+              <a:rPr lang="fr-FR" dirty="0"/>
+              <a:t>&lt;manifestation&gt; [manifestation 1]</a:t>
+            </a:r>
+          </a:p>
+          <a:p>
+            <a:r>
+              <a:rPr lang="fr-FR" dirty="0"/>
+              <a:t>&lt;manifestation&gt; [manifestation 2]</a:t>
+            </a:r>
+          </a:p>
+          <a:p>
+            <a:pPr marL="36900" indent="0">
+              <a:buNone/>
+            </a:pPr>
+            <a:r>
+              <a:rPr lang="fr-FR" dirty="0"/>
+              <a:t>&lt;</a:t>
+            </a:r>
+            <a:r>
+              <a:rPr lang="fr-FR" dirty="0" err="1"/>
+              <a:t>revisionDesc</a:t>
+            </a:r>
+            <a:r>
+              <a:rPr lang="fr-FR" dirty="0"/>
+              <a:t>&gt;</a:t>
+            </a:r>
+          </a:p>
+        </p:txBody>
+      </p:sp>
+      <p:sp>
+        <p:nvSpPr>
+          <p:cNvPr id="4" name="Datumsplatzhalter 3">
+            <a:extLst>
+              <a:ext uri="{FF2B5EF4-FFF2-40B4-BE49-F238E27FC236}">
+                <a16:creationId xmlns:a16="http://schemas.microsoft.com/office/drawing/2014/main" id="{9D7D68EF-4AC9-61D5-13B1-2BC06CF15B14}"/>
+              </a:ext>
+            </a:extLst>
+          </p:cNvPr>
+          <p:cNvSpPr>
+            <a:spLocks noGrp="1"/>
+          </p:cNvSpPr>
+          <p:nvPr>
+            <p:ph type="dt" sz="half" idx="10"/>
+          </p:nvPr>
+        </p:nvSpPr>
+        <p:spPr/>
+        <p:txBody>
+          <a:bodyPr/>
+          <a:lstStyle/>
+          <a:p>
+            <a:r>
+              <a:rPr lang="fr-FR"/>
+              <a:t>11/06/2024</a:t>
+            </a:r>
+          </a:p>
+        </p:txBody>
+      </p:sp>
+      <p:sp>
+        <p:nvSpPr>
+          <p:cNvPr id="5" name="Fußzeilenplatzhalter 4">
+            <a:extLst>
+              <a:ext uri="{FF2B5EF4-FFF2-40B4-BE49-F238E27FC236}">
+                <a16:creationId xmlns:a16="http://schemas.microsoft.com/office/drawing/2014/main" id="{A1FCF483-441C-3194-25AD-CCD24C095D24}"/>
+              </a:ext>
+            </a:extLst>
+          </p:cNvPr>
+          <p:cNvSpPr>
+            <a:spLocks noGrp="1"/>
+          </p:cNvSpPr>
+          <p:nvPr>
+            <p:ph type="ftr" sz="quarter" idx="11"/>
+          </p:nvPr>
+        </p:nvSpPr>
+        <p:spPr/>
+        <p:txBody>
+          <a:bodyPr/>
+          <a:lstStyle/>
+          <a:p>
+            <a:r>
+              <a:rPr lang="fr-FR"/>
+              <a:t>Sophie Reiland-Mézil, Sorbonne Université</a:t>
+            </a:r>
+          </a:p>
+        </p:txBody>
+      </p:sp>
+      <p:sp>
+        <p:nvSpPr>
+          <p:cNvPr id="6" name="Foliennummernplatzhalter 5">
+            <a:extLst>
+              <a:ext uri="{FF2B5EF4-FFF2-40B4-BE49-F238E27FC236}">
+                <a16:creationId xmlns:a16="http://schemas.microsoft.com/office/drawing/2014/main" id="{A1070982-9BFF-A13F-0699-384FF5BEC4CD}"/>
+              </a:ext>
+            </a:extLst>
+          </p:cNvPr>
+          <p:cNvSpPr>
+            <a:spLocks noGrp="1"/>
+          </p:cNvSpPr>
+          <p:nvPr>
+            <p:ph type="sldNum" sz="quarter" idx="12"/>
+          </p:nvPr>
+        </p:nvSpPr>
+        <p:spPr/>
+        <p:txBody>
+          <a:bodyPr/>
+          <a:lstStyle/>
+          <a:p>
+            <a:fld id="{6DF8D168-963E-48B1-A7EC-C96E46BCD5F7}" type="slidenum">
+              <a:rPr lang="fr-FR" smtClean="0"/>
+              <a:t>11</a:t>
+            </a:fld>
+            <a:endParaRPr lang="fr-FR"/>
+          </a:p>
+        </p:txBody>
+      </p:sp>
+    </p:spTree>
+    <p:extLst>
+      <p:ext uri="{BB962C8B-B14F-4D97-AF65-F5344CB8AC3E}">
+        <p14:creationId xmlns:p14="http://schemas.microsoft.com/office/powerpoint/2010/main" val="368876197"/>
+      </p:ext>
+    </p:extLst>
+  </p:cSld>
+  <p:clrMapOvr>
+    <a:masterClrMapping/>
+  </p:clrMapOvr>
+</p:sld>
+</file>
+
+<file path=ppt/slides/slide12.xml><?xml version="1.0" encoding="utf-8"?>
+<p:sld xmlns:a="http://schemas.openxmlformats.org/drawingml/2006/main" xmlns:r="http://schemas.openxmlformats.org/officeDocument/2006/relationships" xmlns:p="http://schemas.openxmlformats.org/presentationml/2006/main">
+  <p:cSld>
+    <p:spTree>
+      <p:nvGrpSpPr>
+        <p:cNvPr id="1" name=""/>
+        <p:cNvGrpSpPr/>
+        <p:nvPr/>
+      </p:nvGrpSpPr>
+      <p:grpSpPr>
+        <a:xfrm>
+          <a:off x="0" y="0"/>
+          <a:ext cx="0" cy="0"/>
+          <a:chOff x="0" y="0"/>
+          <a:chExt cx="0" cy="0"/>
+        </a:xfrm>
+      </p:grpSpPr>
+      <p:sp>
+        <p:nvSpPr>
+          <p:cNvPr id="2" name="Titel 1">
+            <a:extLst>
+              <a:ext uri="{FF2B5EF4-FFF2-40B4-BE49-F238E27FC236}">
+                <a16:creationId xmlns:a16="http://schemas.microsoft.com/office/drawing/2014/main" id="{E544F8AC-DCFE-BEB2-C514-2253E176E071}"/>
+              </a:ext>
+            </a:extLst>
+          </p:cNvPr>
+          <p:cNvSpPr>
+            <a:spLocks noGrp="1"/>
+          </p:cNvSpPr>
+          <p:nvPr>
+            <p:ph type="title"/>
+          </p:nvPr>
+        </p:nvSpPr>
+        <p:spPr/>
+        <p:txBody>
+          <a:bodyPr/>
+          <a:lstStyle/>
+          <a:p>
+            <a:r>
+              <a:rPr lang="fr-FR" dirty="0" err="1"/>
+              <a:t>Fragensammlung</a:t>
+            </a:r>
+            <a:endParaRPr lang="fr-FR" dirty="0"/>
+          </a:p>
+        </p:txBody>
+      </p:sp>
+      <p:sp>
+        <p:nvSpPr>
+          <p:cNvPr id="3" name="Inhaltsplatzhalter 2">
+            <a:extLst>
+              <a:ext uri="{FF2B5EF4-FFF2-40B4-BE49-F238E27FC236}">
+                <a16:creationId xmlns:a16="http://schemas.microsoft.com/office/drawing/2014/main" id="{963800C5-F461-2DE1-1F09-0F219E24DC42}"/>
+              </a:ext>
+            </a:extLst>
+          </p:cNvPr>
+          <p:cNvSpPr>
+            <a:spLocks noGrp="1"/>
+          </p:cNvSpPr>
+          <p:nvPr>
+            <p:ph idx="1"/>
+          </p:nvPr>
+        </p:nvSpPr>
+        <p:spPr/>
+        <p:txBody>
+          <a:bodyPr/>
+          <a:lstStyle/>
+          <a:p>
+            <a:r>
+              <a:rPr lang="fr-FR" dirty="0" err="1"/>
+              <a:t>Mehrere</a:t>
+            </a:r>
+            <a:r>
+              <a:rPr lang="fr-FR" dirty="0"/>
+              <a:t> </a:t>
+            </a:r>
+            <a:r>
+              <a:rPr lang="fr-FR" dirty="0" err="1"/>
+              <a:t>Fragen</a:t>
+            </a:r>
+            <a:r>
+              <a:rPr lang="fr-FR" dirty="0"/>
+              <a:t> </a:t>
+            </a:r>
+            <a:r>
+              <a:rPr lang="fr-FR" dirty="0" err="1"/>
+              <a:t>zu</a:t>
+            </a:r>
+            <a:r>
+              <a:rPr lang="fr-FR" dirty="0"/>
+              <a:t> </a:t>
+            </a:r>
+            <a:r>
+              <a:rPr lang="fr-FR" dirty="0" err="1"/>
+              <a:t>Verweisen</a:t>
+            </a:r>
+            <a:r>
+              <a:rPr lang="fr-FR" dirty="0"/>
+              <a:t> </a:t>
+            </a:r>
+            <a:r>
+              <a:rPr lang="fr-FR" dirty="0" err="1"/>
+              <a:t>auf</a:t>
+            </a:r>
+            <a:r>
+              <a:rPr lang="fr-FR" dirty="0"/>
+              <a:t> Folios</a:t>
+            </a:r>
+          </a:p>
+          <a:p>
+            <a:pPr lvl="1"/>
+            <a:r>
+              <a:rPr lang="fr-FR" dirty="0" err="1"/>
+              <a:t>Wozu</a:t>
+            </a:r>
+            <a:r>
+              <a:rPr lang="fr-FR" dirty="0"/>
+              <a:t> </a:t>
+            </a:r>
+            <a:r>
+              <a:rPr lang="fr-FR" dirty="0" err="1"/>
+              <a:t>ist</a:t>
+            </a:r>
+            <a:r>
+              <a:rPr lang="fr-FR" dirty="0"/>
+              <a:t> locus </a:t>
+            </a:r>
+            <a:r>
+              <a:rPr lang="fr-FR" dirty="0" err="1"/>
+              <a:t>und</a:t>
+            </a:r>
+            <a:r>
+              <a:rPr lang="fr-FR" dirty="0"/>
+              <a:t> </a:t>
+            </a:r>
+            <a:r>
+              <a:rPr lang="fr-FR" dirty="0" err="1"/>
+              <a:t>locusGrp</a:t>
+            </a:r>
+            <a:r>
+              <a:rPr lang="fr-FR" dirty="0"/>
+              <a:t> da?</a:t>
+            </a:r>
+          </a:p>
+          <a:p>
+            <a:pPr lvl="1"/>
+            <a:r>
+              <a:rPr lang="fr-FR" dirty="0" err="1"/>
+              <a:t>Wie</a:t>
+            </a:r>
+            <a:r>
+              <a:rPr lang="fr-FR" dirty="0"/>
+              <a:t> </a:t>
+            </a:r>
+            <a:r>
+              <a:rPr lang="fr-FR" dirty="0" err="1"/>
+              <a:t>kann</a:t>
+            </a:r>
+            <a:r>
+              <a:rPr lang="fr-FR" dirty="0"/>
+              <a:t> man (</a:t>
+            </a:r>
+            <a:r>
+              <a:rPr lang="fr-FR" dirty="0" err="1"/>
+              <a:t>bspw</a:t>
+            </a:r>
+            <a:r>
+              <a:rPr lang="fr-FR" dirty="0"/>
+              <a:t>. In </a:t>
+            </a:r>
+            <a:r>
+              <a:rPr lang="fr-FR" dirty="0" err="1"/>
+              <a:t>editDecl</a:t>
+            </a:r>
+            <a:r>
+              <a:rPr lang="fr-FR" dirty="0"/>
+              <a:t> </a:t>
+            </a:r>
+            <a:r>
+              <a:rPr lang="fr-FR" dirty="0" err="1"/>
+              <a:t>oder</a:t>
+            </a:r>
+            <a:r>
+              <a:rPr lang="fr-FR" dirty="0"/>
+              <a:t> </a:t>
+            </a:r>
+            <a:r>
+              <a:rPr lang="fr-FR" dirty="0" err="1"/>
+              <a:t>manifestationList</a:t>
+            </a:r>
+            <a:r>
+              <a:rPr lang="fr-FR" dirty="0"/>
+              <a:t>) </a:t>
+            </a:r>
+            <a:r>
+              <a:rPr lang="fr-FR" dirty="0" err="1"/>
+              <a:t>auf</a:t>
+            </a:r>
+            <a:r>
+              <a:rPr lang="fr-FR" dirty="0"/>
+              <a:t> </a:t>
+            </a:r>
+            <a:r>
+              <a:rPr lang="fr-FR" dirty="0" err="1"/>
+              <a:t>einzelne</a:t>
+            </a:r>
+            <a:r>
+              <a:rPr lang="fr-FR" dirty="0"/>
+              <a:t> </a:t>
+            </a:r>
+            <a:r>
+              <a:rPr lang="fr-FR" dirty="0" err="1"/>
+              <a:t>oder</a:t>
+            </a:r>
+            <a:r>
+              <a:rPr lang="fr-FR" dirty="0"/>
+              <a:t> </a:t>
+            </a:r>
+            <a:r>
+              <a:rPr lang="fr-FR" dirty="0" err="1"/>
+              <a:t>mehrere</a:t>
+            </a:r>
+            <a:r>
+              <a:rPr lang="fr-FR" dirty="0"/>
+              <a:t> Folio </a:t>
+            </a:r>
+            <a:r>
+              <a:rPr lang="fr-FR" dirty="0" err="1"/>
+              <a:t>innerhalb</a:t>
+            </a:r>
+            <a:r>
+              <a:rPr lang="fr-FR" dirty="0"/>
+              <a:t> des </a:t>
+            </a:r>
+            <a:r>
+              <a:rPr lang="fr-FR" dirty="0" err="1"/>
+              <a:t>Faksimile</a:t>
+            </a:r>
+            <a:r>
+              <a:rPr lang="fr-FR" dirty="0"/>
+              <a:t> </a:t>
+            </a:r>
+            <a:r>
+              <a:rPr lang="fr-FR" dirty="0" err="1"/>
+              <a:t>verweisen</a:t>
+            </a:r>
+            <a:r>
+              <a:rPr lang="fr-FR" dirty="0"/>
+              <a:t>?</a:t>
+            </a:r>
+          </a:p>
+          <a:p>
+            <a:pPr lvl="1"/>
+            <a:r>
+              <a:rPr lang="fr-FR" dirty="0" err="1"/>
+              <a:t>Wie</a:t>
+            </a:r>
+            <a:r>
+              <a:rPr lang="fr-FR" dirty="0"/>
+              <a:t> </a:t>
+            </a:r>
+            <a:r>
+              <a:rPr lang="fr-FR" dirty="0" err="1"/>
+              <a:t>kann</a:t>
+            </a:r>
+            <a:r>
+              <a:rPr lang="fr-FR" dirty="0"/>
+              <a:t> </a:t>
+            </a:r>
+            <a:r>
+              <a:rPr lang="fr-FR" dirty="0" err="1"/>
+              <a:t>ich</a:t>
+            </a:r>
+            <a:r>
+              <a:rPr lang="fr-FR" dirty="0"/>
+              <a:t> die </a:t>
+            </a:r>
+            <a:r>
+              <a:rPr lang="fr-FR" dirty="0" err="1"/>
+              <a:t>innere</a:t>
+            </a:r>
+            <a:r>
+              <a:rPr lang="fr-FR" dirty="0"/>
+              <a:t> Organisation des </a:t>
+            </a:r>
+            <a:r>
+              <a:rPr lang="fr-FR" dirty="0" err="1"/>
+              <a:t>Manuskripts</a:t>
+            </a:r>
+            <a:r>
+              <a:rPr lang="fr-FR" dirty="0"/>
+              <a:t> </a:t>
+            </a:r>
+            <a:r>
+              <a:rPr lang="fr-FR" dirty="0" err="1"/>
+              <a:t>verdeutlichen</a:t>
+            </a:r>
+            <a:r>
+              <a:rPr lang="fr-FR" dirty="0"/>
+              <a:t> (</a:t>
+            </a:r>
+            <a:r>
+              <a:rPr lang="fr-FR" dirty="0" err="1"/>
+              <a:t>Aufteilung</a:t>
+            </a:r>
+            <a:r>
+              <a:rPr lang="fr-FR" dirty="0"/>
+              <a:t> in </a:t>
+            </a:r>
+            <a:r>
+              <a:rPr lang="fr-FR" dirty="0" err="1"/>
+              <a:t>Partitur</a:t>
+            </a:r>
+            <a:r>
+              <a:rPr lang="fr-FR" dirty="0"/>
+              <a:t> </a:t>
+            </a:r>
+            <a:r>
+              <a:rPr lang="fr-FR" dirty="0" err="1"/>
+              <a:t>und</a:t>
+            </a:r>
+            <a:r>
+              <a:rPr lang="fr-FR" dirty="0"/>
+              <a:t> </a:t>
+            </a:r>
+            <a:r>
+              <a:rPr lang="fr-FR" dirty="0" err="1"/>
+              <a:t>Stimmen</a:t>
+            </a:r>
+            <a:r>
+              <a:rPr lang="fr-FR" dirty="0"/>
+              <a:t>)? </a:t>
+            </a:r>
+          </a:p>
+          <a:p>
+            <a:r>
+              <a:rPr lang="fr-FR" dirty="0" err="1"/>
+              <a:t>Wie</a:t>
+            </a:r>
+            <a:r>
+              <a:rPr lang="fr-FR" dirty="0"/>
+              <a:t> </a:t>
+            </a:r>
+            <a:r>
+              <a:rPr lang="fr-FR" dirty="0" err="1"/>
+              <a:t>kann</a:t>
+            </a:r>
+            <a:r>
+              <a:rPr lang="fr-FR" dirty="0"/>
+              <a:t> man </a:t>
+            </a:r>
+            <a:r>
+              <a:rPr lang="fr-FR" dirty="0" err="1"/>
+              <a:t>sinnvoll</a:t>
+            </a:r>
+            <a:r>
+              <a:rPr lang="fr-FR" dirty="0"/>
+              <a:t> die Principes éditoriaux </a:t>
+            </a:r>
+            <a:r>
+              <a:rPr lang="fr-FR" dirty="0" err="1"/>
+              <a:t>strukturieren</a:t>
+            </a:r>
+            <a:r>
+              <a:rPr lang="fr-FR" dirty="0"/>
+              <a:t> (</a:t>
+            </a:r>
+            <a:r>
+              <a:rPr lang="fr-FR" dirty="0" err="1"/>
+              <a:t>normalization</a:t>
+            </a:r>
+            <a:r>
+              <a:rPr lang="fr-FR" dirty="0"/>
+              <a:t>, correction etc.)?</a:t>
+            </a:r>
+          </a:p>
+          <a:p>
+            <a:r>
+              <a:rPr lang="fr-FR" dirty="0" err="1"/>
+              <a:t>Wie</a:t>
+            </a:r>
+            <a:r>
+              <a:rPr lang="fr-FR" dirty="0"/>
+              <a:t> </a:t>
+            </a:r>
+            <a:r>
+              <a:rPr lang="fr-FR" dirty="0" err="1"/>
+              <a:t>lassen</a:t>
+            </a:r>
+            <a:r>
+              <a:rPr lang="fr-FR" dirty="0"/>
+              <a:t> </a:t>
+            </a:r>
+            <a:r>
+              <a:rPr lang="fr-FR" dirty="0" err="1"/>
+              <a:t>sich</a:t>
+            </a:r>
+            <a:r>
+              <a:rPr lang="fr-FR" dirty="0"/>
+              <a:t> die </a:t>
+            </a:r>
+            <a:r>
+              <a:rPr lang="fr-FR" dirty="0" err="1"/>
+              <a:t>einzelnen</a:t>
+            </a:r>
+            <a:r>
+              <a:rPr lang="fr-FR" dirty="0"/>
+              <a:t> </a:t>
+            </a:r>
+            <a:r>
+              <a:rPr lang="fr-FR" dirty="0" err="1"/>
+              <a:t>Sätze</a:t>
+            </a:r>
+            <a:r>
+              <a:rPr lang="fr-FR" dirty="0"/>
+              <a:t> mit </a:t>
+            </a:r>
+            <a:r>
+              <a:rPr lang="fr-FR" dirty="0" err="1"/>
+              <a:t>dem</a:t>
+            </a:r>
+            <a:r>
+              <a:rPr lang="fr-FR" dirty="0"/>
+              <a:t> Parent document </a:t>
+            </a:r>
+            <a:r>
+              <a:rPr lang="fr-FR" dirty="0" err="1"/>
+              <a:t>verbinden</a:t>
+            </a:r>
+            <a:r>
+              <a:rPr lang="fr-FR" dirty="0"/>
+              <a:t>? </a:t>
+            </a:r>
+            <a:r>
+              <a:rPr lang="fr-FR" dirty="0" err="1"/>
+              <a:t>Klappt</a:t>
+            </a:r>
+            <a:r>
+              <a:rPr lang="fr-FR" dirty="0"/>
+              <a:t> </a:t>
+            </a:r>
+            <a:r>
+              <a:rPr lang="fr-FR" dirty="0" err="1"/>
+              <a:t>das</a:t>
+            </a:r>
+            <a:r>
+              <a:rPr lang="fr-FR" dirty="0"/>
+              <a:t> </a:t>
+            </a:r>
+            <a:r>
+              <a:rPr lang="fr-FR" dirty="0" err="1"/>
+              <a:t>so</a:t>
+            </a:r>
+            <a:r>
+              <a:rPr lang="fr-FR" dirty="0"/>
+              <a:t>, </a:t>
+            </a:r>
+            <a:r>
+              <a:rPr lang="fr-FR" dirty="0" err="1"/>
+              <a:t>wie</a:t>
+            </a:r>
+            <a:r>
+              <a:rPr lang="fr-FR" dirty="0"/>
+              <a:t> </a:t>
+            </a:r>
+            <a:r>
+              <a:rPr lang="fr-FR" dirty="0" err="1"/>
+              <a:t>wir</a:t>
+            </a:r>
+            <a:r>
+              <a:rPr lang="fr-FR" dirty="0"/>
+              <a:t> uns </a:t>
+            </a:r>
+            <a:r>
+              <a:rPr lang="fr-FR" dirty="0" err="1"/>
+              <a:t>das</a:t>
+            </a:r>
+            <a:r>
+              <a:rPr lang="fr-FR" dirty="0"/>
+              <a:t> </a:t>
+            </a:r>
+            <a:r>
+              <a:rPr lang="fr-FR" dirty="0" err="1"/>
+              <a:t>vorgestellt</a:t>
+            </a:r>
+            <a:r>
+              <a:rPr lang="fr-FR" dirty="0"/>
+              <a:t> </a:t>
+            </a:r>
+            <a:r>
+              <a:rPr lang="fr-FR" dirty="0" err="1"/>
+              <a:t>haben</a:t>
+            </a:r>
+            <a:r>
+              <a:rPr lang="fr-FR" dirty="0"/>
+              <a:t>?</a:t>
+            </a:r>
+          </a:p>
+        </p:txBody>
+      </p:sp>
+      <p:sp>
+        <p:nvSpPr>
+          <p:cNvPr id="4" name="Datumsplatzhalter 3">
+            <a:extLst>
+              <a:ext uri="{FF2B5EF4-FFF2-40B4-BE49-F238E27FC236}">
+                <a16:creationId xmlns:a16="http://schemas.microsoft.com/office/drawing/2014/main" id="{F050B459-EF1D-0A16-2975-24FFC1D3BE07}"/>
+              </a:ext>
+            </a:extLst>
+          </p:cNvPr>
+          <p:cNvSpPr>
+            <a:spLocks noGrp="1"/>
+          </p:cNvSpPr>
+          <p:nvPr>
+            <p:ph type="dt" sz="half" idx="10"/>
+          </p:nvPr>
+        </p:nvSpPr>
+        <p:spPr/>
+        <p:txBody>
+          <a:bodyPr/>
+          <a:lstStyle/>
+          <a:p>
+            <a:r>
+              <a:rPr lang="fr-FR"/>
+              <a:t>11/06/2024</a:t>
+            </a:r>
+          </a:p>
+        </p:txBody>
+      </p:sp>
+      <p:sp>
+        <p:nvSpPr>
+          <p:cNvPr id="5" name="Fußzeilenplatzhalter 4">
+            <a:extLst>
+              <a:ext uri="{FF2B5EF4-FFF2-40B4-BE49-F238E27FC236}">
+                <a16:creationId xmlns:a16="http://schemas.microsoft.com/office/drawing/2014/main" id="{5263217C-9E6D-C2C4-3622-F5F0DC461282}"/>
+              </a:ext>
+            </a:extLst>
+          </p:cNvPr>
+          <p:cNvSpPr>
+            <a:spLocks noGrp="1"/>
+          </p:cNvSpPr>
+          <p:nvPr>
+            <p:ph type="ftr" sz="quarter" idx="11"/>
+          </p:nvPr>
+        </p:nvSpPr>
+        <p:spPr/>
+        <p:txBody>
+          <a:bodyPr/>
+          <a:lstStyle/>
+          <a:p>
+            <a:r>
+              <a:rPr lang="fr-FR"/>
+              <a:t>Sophie Reiland-Mézil, Sorbonne Université</a:t>
+            </a:r>
+          </a:p>
+        </p:txBody>
+      </p:sp>
+      <p:sp>
+        <p:nvSpPr>
+          <p:cNvPr id="6" name="Foliennummernplatzhalter 5">
+            <a:extLst>
+              <a:ext uri="{FF2B5EF4-FFF2-40B4-BE49-F238E27FC236}">
+                <a16:creationId xmlns:a16="http://schemas.microsoft.com/office/drawing/2014/main" id="{3B57D211-357A-F4A8-553A-B45578823A29}"/>
+              </a:ext>
+            </a:extLst>
+          </p:cNvPr>
+          <p:cNvSpPr>
+            <a:spLocks noGrp="1"/>
+          </p:cNvSpPr>
+          <p:nvPr>
+            <p:ph type="sldNum" sz="quarter" idx="12"/>
+          </p:nvPr>
+        </p:nvSpPr>
+        <p:spPr/>
+        <p:txBody>
+          <a:bodyPr/>
+          <a:lstStyle/>
+          <a:p>
+            <a:fld id="{6DF8D168-963E-48B1-A7EC-C96E46BCD5F7}" type="slidenum">
+              <a:rPr lang="fr-FR" smtClean="0"/>
+              <a:t>12</a:t>
+            </a:fld>
+            <a:endParaRPr lang="fr-FR"/>
+          </a:p>
+        </p:txBody>
+      </p:sp>
+    </p:spTree>
+    <p:extLst>
+      <p:ext uri="{BB962C8B-B14F-4D97-AF65-F5344CB8AC3E}">
+        <p14:creationId xmlns:p14="http://schemas.microsoft.com/office/powerpoint/2010/main" val="1502748867"/>
+      </p:ext>
+    </p:extLst>
+  </p:cSld>
+  <p:clrMapOvr>
+    <a:masterClrMapping/>
+  </p:clrMapOvr>
+</p:sld>
+</file>
+
+<file path=ppt/slides/slide13.xml><?xml version="1.0" encoding="utf-8"?>
+<p:sld xmlns:a="http://schemas.openxmlformats.org/drawingml/2006/main" xmlns:r="http://schemas.openxmlformats.org/officeDocument/2006/relationships" xmlns:p="http://schemas.openxmlformats.org/presentationml/2006/main">
+  <p:cSld>
+    <p:spTree>
+      <p:nvGrpSpPr>
+        <p:cNvPr id="1" name=""/>
+        <p:cNvGrpSpPr/>
+        <p:nvPr/>
+      </p:nvGrpSpPr>
+      <p:grpSpPr>
+        <a:xfrm>
+          <a:off x="0" y="0"/>
+          <a:ext cx="0" cy="0"/>
+          <a:chOff x="0" y="0"/>
+          <a:chExt cx="0" cy="0"/>
+        </a:xfrm>
+      </p:grpSpPr>
+      <p:sp>
+        <p:nvSpPr>
+          <p:cNvPr id="2" name="Titel 1">
+            <a:extLst>
+              <a:ext uri="{FF2B5EF4-FFF2-40B4-BE49-F238E27FC236}">
+                <a16:creationId xmlns:a16="http://schemas.microsoft.com/office/drawing/2014/main" id="{7875BE19-7A16-502B-6D11-79C092B4275B}"/>
+              </a:ext>
+            </a:extLst>
+          </p:cNvPr>
+          <p:cNvSpPr>
+            <a:spLocks noGrp="1"/>
+          </p:cNvSpPr>
+          <p:nvPr>
+            <p:ph type="title"/>
+          </p:nvPr>
+        </p:nvSpPr>
+        <p:spPr/>
+        <p:txBody>
+          <a:bodyPr/>
+          <a:lstStyle/>
+          <a:p>
+            <a:r>
+              <a:rPr lang="fr-FR" dirty="0"/>
+              <a:t>Documents enfants : Body</a:t>
+            </a:r>
+          </a:p>
+        </p:txBody>
+      </p:sp>
+      <p:sp>
+        <p:nvSpPr>
+          <p:cNvPr id="4" name="Datumsplatzhalter 3">
+            <a:extLst>
+              <a:ext uri="{FF2B5EF4-FFF2-40B4-BE49-F238E27FC236}">
+                <a16:creationId xmlns:a16="http://schemas.microsoft.com/office/drawing/2014/main" id="{7DC2C45D-D741-ADB6-F6DF-812A110A4D58}"/>
+              </a:ext>
+            </a:extLst>
+          </p:cNvPr>
+          <p:cNvSpPr>
+            <a:spLocks noGrp="1"/>
+          </p:cNvSpPr>
+          <p:nvPr>
+            <p:ph type="dt" sz="half" idx="10"/>
+          </p:nvPr>
+        </p:nvSpPr>
+        <p:spPr/>
+        <p:txBody>
+          <a:bodyPr/>
+          <a:lstStyle/>
+          <a:p>
+            <a:r>
+              <a:rPr lang="fr-FR"/>
+              <a:t>11/06/2024</a:t>
+            </a:r>
+          </a:p>
+        </p:txBody>
+      </p:sp>
+      <p:sp>
+        <p:nvSpPr>
+          <p:cNvPr id="5" name="Fußzeilenplatzhalter 4">
+            <a:extLst>
+              <a:ext uri="{FF2B5EF4-FFF2-40B4-BE49-F238E27FC236}">
+                <a16:creationId xmlns:a16="http://schemas.microsoft.com/office/drawing/2014/main" id="{31D4013A-9401-1D9D-187A-3380620768BC}"/>
+              </a:ext>
+            </a:extLst>
+          </p:cNvPr>
+          <p:cNvSpPr>
+            <a:spLocks noGrp="1"/>
+          </p:cNvSpPr>
+          <p:nvPr>
+            <p:ph type="ftr" sz="quarter" idx="11"/>
+          </p:nvPr>
+        </p:nvSpPr>
+        <p:spPr/>
+        <p:txBody>
+          <a:bodyPr/>
+          <a:lstStyle/>
+          <a:p>
+            <a:r>
+              <a:rPr lang="fr-FR"/>
+              <a:t>Sophie Reiland-Mézil, Sorbonne Université</a:t>
+            </a:r>
+          </a:p>
+        </p:txBody>
+      </p:sp>
+      <p:sp>
+        <p:nvSpPr>
+          <p:cNvPr id="6" name="Foliennummernplatzhalter 5">
+            <a:extLst>
+              <a:ext uri="{FF2B5EF4-FFF2-40B4-BE49-F238E27FC236}">
+                <a16:creationId xmlns:a16="http://schemas.microsoft.com/office/drawing/2014/main" id="{305A819E-14F2-3651-36F9-4A99714938C5}"/>
+              </a:ext>
+            </a:extLst>
+          </p:cNvPr>
+          <p:cNvSpPr>
+            <a:spLocks noGrp="1"/>
+          </p:cNvSpPr>
+          <p:nvPr>
+            <p:ph type="sldNum" sz="quarter" idx="12"/>
+          </p:nvPr>
+        </p:nvSpPr>
+        <p:spPr/>
+        <p:txBody>
+          <a:bodyPr/>
+          <a:lstStyle/>
+          <a:p>
+            <a:fld id="{6DF8D168-963E-48B1-A7EC-C96E46BCD5F7}" type="slidenum">
+              <a:rPr lang="fr-FR" smtClean="0"/>
+              <a:t>13</a:t>
+            </a:fld>
+            <a:endParaRPr lang="fr-FR"/>
+          </a:p>
+        </p:txBody>
+      </p:sp>
+    </p:spTree>
+    <p:extLst>
+      <p:ext uri="{BB962C8B-B14F-4D97-AF65-F5344CB8AC3E}">
+        <p14:creationId xmlns:p14="http://schemas.microsoft.com/office/powerpoint/2010/main" val="2341228808"/>
+      </p:ext>
+    </p:extLst>
+  </p:cSld>
+  <p:clrMapOvr>
+    <a:masterClrMapping/>
+  </p:clrMapOvr>
+</p:sld>
+</file>
+
+<file path=ppt/slides/slide14.xml><?xml version="1.0" encoding="utf-8"?>
+<p:sld xmlns:a="http://schemas.openxmlformats.org/drawingml/2006/main" xmlns:r="http://schemas.openxmlformats.org/officeDocument/2006/relationships" xmlns:p="http://schemas.openxmlformats.org/presentationml/2006/main">
+  <p:cSld>
+    <p:spTree>
+      <p:nvGrpSpPr>
+        <p:cNvPr id="1" name=""/>
+        <p:cNvGrpSpPr/>
+        <p:nvPr/>
+      </p:nvGrpSpPr>
+      <p:grpSpPr>
+        <a:xfrm>
+          <a:off x="0" y="0"/>
+          <a:ext cx="0" cy="0"/>
+          <a:chOff x="0" y="0"/>
+          <a:chExt cx="0" cy="0"/>
+        </a:xfrm>
+      </p:grpSpPr>
+      <p:sp>
+        <p:nvSpPr>
+          <p:cNvPr id="7" name="Titel 6">
+            <a:extLst>
+              <a:ext uri="{FF2B5EF4-FFF2-40B4-BE49-F238E27FC236}">
+                <a16:creationId xmlns:a16="http://schemas.microsoft.com/office/drawing/2014/main" id="{70D8B04B-9C57-D873-6180-3D7A65FF13AA}"/>
+              </a:ext>
+            </a:extLst>
+          </p:cNvPr>
+          <p:cNvSpPr>
+            <a:spLocks noGrp="1"/>
+          </p:cNvSpPr>
+          <p:nvPr>
+            <p:ph type="title"/>
+          </p:nvPr>
+        </p:nvSpPr>
+        <p:spPr/>
+        <p:txBody>
+          <a:bodyPr/>
+          <a:lstStyle/>
+          <a:p>
+            <a:r>
+              <a:rPr lang="fr-FR" dirty="0"/>
+              <a:t>Indication des facsimilés</a:t>
+            </a:r>
+          </a:p>
+        </p:txBody>
+      </p:sp>
+      <p:sp>
+        <p:nvSpPr>
+          <p:cNvPr id="8" name="Inhaltsplatzhalter 7">
+            <a:extLst>
+              <a:ext uri="{FF2B5EF4-FFF2-40B4-BE49-F238E27FC236}">
+                <a16:creationId xmlns:a16="http://schemas.microsoft.com/office/drawing/2014/main" id="{C0AF02FC-E5C1-3706-8001-CE4AE766D917}"/>
+              </a:ext>
+            </a:extLst>
+          </p:cNvPr>
+          <p:cNvSpPr>
+            <a:spLocks noGrp="1"/>
+          </p:cNvSpPr>
+          <p:nvPr>
+            <p:ph idx="1"/>
+          </p:nvPr>
+        </p:nvSpPr>
+        <p:spPr/>
+        <p:txBody>
+          <a:bodyPr>
+            <a:normAutofit/>
+          </a:bodyPr>
+          <a:lstStyle/>
+          <a:p>
+            <a:pPr marL="36900" indent="0">
+              <a:buNone/>
+            </a:pPr>
+            <a:r>
+              <a:rPr lang="fr-FR" dirty="0"/>
+              <a:t>Indication des pages individuelles, non des folios, pour faire référence à la source numérisée</a:t>
+            </a:r>
+          </a:p>
+          <a:p>
+            <a:pPr marL="36900" indent="0">
+              <a:buNone/>
+            </a:pPr>
+            <a:r>
+              <a:rPr lang="fr-FR" dirty="0"/>
+              <a:t>Exemple de codage pour la partition générale (source B) : </a:t>
+            </a:r>
+          </a:p>
+          <a:p>
+            <a:pPr marL="36900" indent="0">
+              <a:buNone/>
+            </a:pPr>
+            <a:r>
+              <a:rPr lang="fr-FR" dirty="0">
+                <a:solidFill>
+                  <a:srgbClr val="000000"/>
+                </a:solidFill>
+                <a:highlight>
+                  <a:srgbClr val="FFFFFF"/>
+                </a:highlight>
+              </a:rPr>
+              <a:t> </a:t>
+            </a:r>
+            <a:r>
+              <a:rPr lang="fr-FR" dirty="0">
+                <a:solidFill>
+                  <a:srgbClr val="000096"/>
+                </a:solidFill>
+                <a:highlight>
+                  <a:srgbClr val="FFFFFF"/>
+                </a:highlight>
+              </a:rPr>
+              <a:t>&lt;surface</a:t>
+            </a:r>
+            <a:r>
+              <a:rPr lang="fr-FR" dirty="0">
+                <a:solidFill>
+                  <a:srgbClr val="F5844C"/>
+                </a:solidFill>
+                <a:highlight>
+                  <a:srgbClr val="FFFFFF"/>
+                </a:highlight>
+              </a:rPr>
+              <a:t> type</a:t>
+            </a:r>
+            <a:r>
+              <a:rPr lang="fr-FR" dirty="0">
+                <a:solidFill>
+                  <a:srgbClr val="FF8040"/>
+                </a:solidFill>
+                <a:highlight>
+                  <a:srgbClr val="FFFFFF"/>
+                </a:highlight>
+              </a:rPr>
+              <a:t>=</a:t>
+            </a:r>
+            <a:r>
+              <a:rPr lang="fr-FR" dirty="0">
+                <a:solidFill>
+                  <a:srgbClr val="993300"/>
+                </a:solidFill>
+                <a:highlight>
+                  <a:srgbClr val="FFFFFF"/>
+                </a:highlight>
+              </a:rPr>
+              <a:t>"score"</a:t>
+            </a:r>
+            <a:r>
+              <a:rPr lang="fr-FR" dirty="0">
+                <a:solidFill>
+                  <a:srgbClr val="F5844C"/>
+                </a:solidFill>
+                <a:highlight>
+                  <a:srgbClr val="FFFFFF"/>
+                </a:highlight>
+              </a:rPr>
+              <a:t> </a:t>
+            </a:r>
+            <a:r>
+              <a:rPr lang="fr-FR" dirty="0" err="1">
+                <a:solidFill>
+                  <a:srgbClr val="F5844C"/>
+                </a:solidFill>
+                <a:highlight>
+                  <a:srgbClr val="FFFFFF"/>
+                </a:highlight>
+              </a:rPr>
+              <a:t>xml:id</a:t>
+            </a:r>
+            <a:r>
+              <a:rPr lang="fr-FR" dirty="0">
+                <a:solidFill>
+                  <a:srgbClr val="FF8040"/>
+                </a:solidFill>
+                <a:highlight>
+                  <a:srgbClr val="FFFFFF"/>
+                </a:highlight>
+              </a:rPr>
+              <a:t>=</a:t>
+            </a:r>
+            <a:r>
+              <a:rPr lang="fr-FR" dirty="0">
+                <a:solidFill>
+                  <a:srgbClr val="993300"/>
+                </a:solidFill>
+                <a:highlight>
+                  <a:srgbClr val="FFFFFF"/>
+                </a:highlight>
+              </a:rPr>
+              <a:t>"facsimile_003"</a:t>
+            </a:r>
+            <a:r>
+              <a:rPr lang="fr-FR" dirty="0">
+                <a:solidFill>
+                  <a:srgbClr val="000096"/>
+                </a:solidFill>
+                <a:highlight>
+                  <a:srgbClr val="FFFFFF"/>
+                </a:highlight>
+              </a:rPr>
+              <a:t>&gt;</a:t>
+            </a:r>
+            <a:br>
+              <a:rPr lang="fr-FR" dirty="0">
+                <a:solidFill>
+                  <a:srgbClr val="000000"/>
+                </a:solidFill>
+                <a:highlight>
+                  <a:srgbClr val="FFFFFF"/>
+                </a:highlight>
+              </a:rPr>
+            </a:br>
+            <a:r>
+              <a:rPr lang="fr-FR" dirty="0">
+                <a:solidFill>
+                  <a:srgbClr val="000000"/>
+                </a:solidFill>
+                <a:highlight>
+                  <a:srgbClr val="FFFFFF"/>
+                </a:highlight>
+              </a:rPr>
+              <a:t>            </a:t>
+            </a:r>
+            <a:r>
+              <a:rPr lang="fr-FR" dirty="0">
+                <a:solidFill>
+                  <a:srgbClr val="000096"/>
+                </a:solidFill>
+                <a:highlight>
+                  <a:srgbClr val="FFFFFF"/>
+                </a:highlight>
+              </a:rPr>
+              <a:t>&lt;</a:t>
+            </a:r>
+            <a:r>
+              <a:rPr lang="fr-FR" dirty="0" err="1">
+                <a:solidFill>
+                  <a:srgbClr val="000096"/>
+                </a:solidFill>
+                <a:highlight>
+                  <a:srgbClr val="FFFFFF"/>
+                </a:highlight>
+              </a:rPr>
+              <a:t>graphic</a:t>
+            </a:r>
+            <a:r>
+              <a:rPr lang="fr-FR" dirty="0">
+                <a:solidFill>
+                  <a:srgbClr val="F5844C"/>
+                </a:solidFill>
+                <a:highlight>
+                  <a:srgbClr val="FFFFFF"/>
+                </a:highlight>
+              </a:rPr>
+              <a:t> </a:t>
+            </a:r>
+            <a:r>
+              <a:rPr lang="fr-FR" dirty="0" err="1">
+                <a:solidFill>
+                  <a:srgbClr val="F5844C"/>
+                </a:solidFill>
+                <a:highlight>
+                  <a:srgbClr val="FFFFFF"/>
+                </a:highlight>
+              </a:rPr>
+              <a:t>target</a:t>
+            </a:r>
+            <a:r>
+              <a:rPr lang="fr-FR" dirty="0">
+                <a:solidFill>
+                  <a:srgbClr val="FF8040"/>
+                </a:solidFill>
+                <a:highlight>
+                  <a:srgbClr val="FFFFFF"/>
+                </a:highlight>
+              </a:rPr>
+              <a:t>=</a:t>
+            </a:r>
+            <a:r>
+              <a:rPr lang="fr-FR" dirty="0">
+                <a:solidFill>
+                  <a:srgbClr val="993300"/>
+                </a:solidFill>
+                <a:highlight>
+                  <a:srgbClr val="FFFFFF"/>
+                </a:highlight>
+              </a:rPr>
+              <a:t>"https://tudigit.ulb.tu-darmstadt.de/show/Mus-Ms-429-28/3"</a:t>
+            </a:r>
+            <a:r>
+              <a:rPr lang="fr-FR" dirty="0">
+                <a:solidFill>
+                  <a:srgbClr val="000096"/>
+                </a:solidFill>
+                <a:highlight>
+                  <a:srgbClr val="FFFFFF"/>
+                </a:highlight>
+              </a:rPr>
+              <a:t>&gt;&lt;/</a:t>
+            </a:r>
+            <a:r>
+              <a:rPr lang="fr-FR" dirty="0" err="1">
+                <a:solidFill>
+                  <a:srgbClr val="000096"/>
+                </a:solidFill>
+                <a:highlight>
+                  <a:srgbClr val="FFFFFF"/>
+                </a:highlight>
+              </a:rPr>
+              <a:t>graphic</a:t>
+            </a:r>
+            <a:r>
+              <a:rPr lang="fr-FR" dirty="0">
+                <a:solidFill>
+                  <a:srgbClr val="000096"/>
+                </a:solidFill>
+                <a:highlight>
+                  <a:srgbClr val="FFFFFF"/>
+                </a:highlight>
+              </a:rPr>
+              <a:t>&gt;</a:t>
+            </a:r>
+            <a:br>
+              <a:rPr lang="fr-FR" dirty="0">
+                <a:solidFill>
+                  <a:srgbClr val="000000"/>
+                </a:solidFill>
+                <a:highlight>
+                  <a:srgbClr val="FFFFFF"/>
+                </a:highlight>
+              </a:rPr>
+            </a:br>
+            <a:r>
+              <a:rPr lang="fr-FR" dirty="0">
+                <a:solidFill>
+                  <a:srgbClr val="000000"/>
+                </a:solidFill>
+                <a:highlight>
+                  <a:srgbClr val="FFFFFF"/>
+                </a:highlight>
+              </a:rPr>
+              <a:t>         </a:t>
+            </a:r>
+            <a:r>
+              <a:rPr lang="fr-FR" dirty="0">
+                <a:solidFill>
+                  <a:srgbClr val="000096"/>
+                </a:solidFill>
+                <a:highlight>
+                  <a:srgbClr val="FFFFFF"/>
+                </a:highlight>
+              </a:rPr>
+              <a:t>&lt;/surface&gt;</a:t>
+            </a:r>
+          </a:p>
+          <a:p>
+            <a:pPr marL="36900" indent="0">
+              <a:buNone/>
+            </a:pPr>
+            <a:r>
+              <a:rPr lang="fr-FR" dirty="0"/>
+              <a:t>Exemple de codage pour les parties séparées (source A) :</a:t>
+            </a:r>
+          </a:p>
+          <a:p>
+            <a:pPr marL="36900" indent="0">
+              <a:buNone/>
+            </a:pPr>
+            <a:r>
+              <a:rPr lang="fr-FR" dirty="0"/>
+              <a:t> </a:t>
+            </a:r>
+            <a:r>
+              <a:rPr lang="fr-FR" dirty="0">
+                <a:solidFill>
+                  <a:srgbClr val="000000"/>
+                </a:solidFill>
+                <a:highlight>
+                  <a:srgbClr val="FFFFFF"/>
+                </a:highlight>
+              </a:rPr>
+              <a:t> </a:t>
+            </a:r>
+            <a:r>
+              <a:rPr lang="fr-FR" dirty="0">
+                <a:solidFill>
+                  <a:srgbClr val="000096"/>
+                </a:solidFill>
+                <a:highlight>
+                  <a:srgbClr val="FFFFFF"/>
+                </a:highlight>
+              </a:rPr>
+              <a:t>&lt;surface</a:t>
+            </a:r>
+            <a:r>
+              <a:rPr lang="fr-FR" dirty="0">
+                <a:solidFill>
+                  <a:srgbClr val="F5844C"/>
+                </a:solidFill>
+                <a:highlight>
+                  <a:srgbClr val="FFFFFF"/>
+                </a:highlight>
+              </a:rPr>
+              <a:t> type</a:t>
+            </a:r>
+            <a:r>
+              <a:rPr lang="fr-FR" dirty="0">
+                <a:solidFill>
+                  <a:srgbClr val="FF8040"/>
+                </a:solidFill>
+                <a:highlight>
+                  <a:srgbClr val="FFFFFF"/>
+                </a:highlight>
+              </a:rPr>
+              <a:t>=</a:t>
+            </a:r>
+            <a:r>
+              <a:rPr lang="fr-FR" dirty="0">
+                <a:solidFill>
+                  <a:srgbClr val="993300"/>
+                </a:solidFill>
+                <a:highlight>
+                  <a:srgbClr val="FFFFFF"/>
+                </a:highlight>
+              </a:rPr>
+              <a:t>"</a:t>
+            </a:r>
+            <a:r>
+              <a:rPr lang="fr-FR" dirty="0" err="1">
+                <a:solidFill>
+                  <a:srgbClr val="993300"/>
+                </a:solidFill>
+                <a:highlight>
+                  <a:srgbClr val="FFFFFF"/>
+                </a:highlight>
+              </a:rPr>
+              <a:t>violinViolettIPart</a:t>
+            </a:r>
+            <a:r>
+              <a:rPr lang="fr-FR" dirty="0">
+                <a:solidFill>
+                  <a:srgbClr val="993300"/>
+                </a:solidFill>
+                <a:highlight>
+                  <a:srgbClr val="FFFFFF"/>
+                </a:highlight>
+              </a:rPr>
+              <a:t>"</a:t>
+            </a:r>
+            <a:r>
+              <a:rPr lang="fr-FR" dirty="0">
+                <a:solidFill>
+                  <a:srgbClr val="F5844C"/>
+                </a:solidFill>
+                <a:highlight>
+                  <a:srgbClr val="FFFFFF"/>
+                </a:highlight>
+              </a:rPr>
+              <a:t> </a:t>
+            </a:r>
+            <a:r>
+              <a:rPr lang="fr-FR" dirty="0" err="1">
+                <a:solidFill>
+                  <a:srgbClr val="F5844C"/>
+                </a:solidFill>
+                <a:highlight>
+                  <a:srgbClr val="FFFFFF"/>
+                </a:highlight>
+              </a:rPr>
+              <a:t>xml:id</a:t>
+            </a:r>
+            <a:r>
+              <a:rPr lang="fr-FR" dirty="0">
+                <a:solidFill>
+                  <a:srgbClr val="FF8040"/>
+                </a:solidFill>
+                <a:highlight>
+                  <a:srgbClr val="FFFFFF"/>
+                </a:highlight>
+              </a:rPr>
+              <a:t>=</a:t>
+            </a:r>
+            <a:r>
+              <a:rPr lang="fr-FR" dirty="0">
+                <a:solidFill>
+                  <a:srgbClr val="993300"/>
+                </a:solidFill>
+                <a:highlight>
+                  <a:srgbClr val="FFFFFF"/>
+                </a:highlight>
+              </a:rPr>
+              <a:t>"facsimile_020"</a:t>
+            </a:r>
+            <a:r>
+              <a:rPr lang="fr-FR" dirty="0">
+                <a:solidFill>
+                  <a:srgbClr val="000096"/>
+                </a:solidFill>
+                <a:highlight>
+                  <a:srgbClr val="FFFFFF"/>
+                </a:highlight>
+              </a:rPr>
+              <a:t>&gt;</a:t>
+            </a:r>
+            <a:br>
+              <a:rPr lang="fr-FR" dirty="0">
+                <a:solidFill>
+                  <a:srgbClr val="000000"/>
+                </a:solidFill>
+                <a:highlight>
+                  <a:srgbClr val="FFFFFF"/>
+                </a:highlight>
+              </a:rPr>
+            </a:br>
+            <a:r>
+              <a:rPr lang="fr-FR" dirty="0">
+                <a:solidFill>
+                  <a:srgbClr val="000000"/>
+                </a:solidFill>
+                <a:highlight>
+                  <a:srgbClr val="FFFFFF"/>
+                </a:highlight>
+              </a:rPr>
+              <a:t>            </a:t>
+            </a:r>
+            <a:r>
+              <a:rPr lang="fr-FR" dirty="0">
+                <a:solidFill>
+                  <a:srgbClr val="000096"/>
+                </a:solidFill>
+                <a:highlight>
+                  <a:srgbClr val="FFFFFF"/>
+                </a:highlight>
+              </a:rPr>
+              <a:t>&lt;</a:t>
+            </a:r>
+            <a:r>
+              <a:rPr lang="fr-FR" dirty="0" err="1">
+                <a:solidFill>
+                  <a:srgbClr val="000096"/>
+                </a:solidFill>
+                <a:highlight>
+                  <a:srgbClr val="FFFFFF"/>
+                </a:highlight>
+              </a:rPr>
+              <a:t>graphic</a:t>
+            </a:r>
+            <a:r>
+              <a:rPr lang="fr-FR" dirty="0">
+                <a:solidFill>
+                  <a:srgbClr val="F5844C"/>
+                </a:solidFill>
+                <a:highlight>
+                  <a:srgbClr val="FFFFFF"/>
+                </a:highlight>
+              </a:rPr>
+              <a:t> </a:t>
+            </a:r>
+            <a:r>
+              <a:rPr lang="fr-FR" dirty="0" err="1">
+                <a:solidFill>
+                  <a:srgbClr val="F5844C"/>
+                </a:solidFill>
+                <a:highlight>
+                  <a:srgbClr val="FFFFFF"/>
+                </a:highlight>
+              </a:rPr>
+              <a:t>target</a:t>
+            </a:r>
+            <a:r>
+              <a:rPr lang="fr-FR" dirty="0">
+                <a:solidFill>
+                  <a:srgbClr val="FF8040"/>
+                </a:solidFill>
+                <a:highlight>
+                  <a:srgbClr val="FFFFFF"/>
+                </a:highlight>
+              </a:rPr>
+              <a:t>=</a:t>
+            </a:r>
+            <a:r>
+              <a:rPr lang="fr-FR" dirty="0">
+                <a:solidFill>
+                  <a:srgbClr val="993300"/>
+                </a:solidFill>
+                <a:highlight>
+                  <a:srgbClr val="FFFFFF"/>
+                </a:highlight>
+              </a:rPr>
+              <a:t>"https://tudigit.ulb.tu-darmstadt.de/show/Mus-Ms-429-28/20"</a:t>
+            </a:r>
+            <a:r>
+              <a:rPr lang="fr-FR" dirty="0">
+                <a:solidFill>
+                  <a:srgbClr val="000096"/>
+                </a:solidFill>
+                <a:highlight>
+                  <a:srgbClr val="FFFFFF"/>
+                </a:highlight>
+              </a:rPr>
+              <a:t>&gt;&lt;/</a:t>
+            </a:r>
+            <a:r>
+              <a:rPr lang="fr-FR" dirty="0" err="1">
+                <a:solidFill>
+                  <a:srgbClr val="000096"/>
+                </a:solidFill>
+                <a:highlight>
+                  <a:srgbClr val="FFFFFF"/>
+                </a:highlight>
+              </a:rPr>
+              <a:t>graphic</a:t>
+            </a:r>
+            <a:r>
+              <a:rPr lang="fr-FR" dirty="0">
+                <a:solidFill>
+                  <a:srgbClr val="000096"/>
+                </a:solidFill>
+                <a:highlight>
+                  <a:srgbClr val="FFFFFF"/>
+                </a:highlight>
+              </a:rPr>
+              <a:t>&gt;</a:t>
+            </a:r>
+            <a:br>
+              <a:rPr lang="fr-FR" dirty="0">
+                <a:solidFill>
+                  <a:srgbClr val="000000"/>
+                </a:solidFill>
+                <a:highlight>
+                  <a:srgbClr val="FFFFFF"/>
+                </a:highlight>
+              </a:rPr>
+            </a:br>
+            <a:r>
+              <a:rPr lang="fr-FR" dirty="0">
+                <a:solidFill>
+                  <a:srgbClr val="000000"/>
+                </a:solidFill>
+                <a:highlight>
+                  <a:srgbClr val="FFFFFF"/>
+                </a:highlight>
+              </a:rPr>
+              <a:t>         </a:t>
+            </a:r>
+            <a:r>
+              <a:rPr lang="fr-FR" dirty="0">
+                <a:solidFill>
+                  <a:srgbClr val="000096"/>
+                </a:solidFill>
+                <a:highlight>
+                  <a:srgbClr val="FFFFFF"/>
+                </a:highlight>
+              </a:rPr>
+              <a:t>&lt;/surface&gt;</a:t>
+            </a:r>
+            <a:endParaRPr lang="fr-FR" dirty="0"/>
+          </a:p>
+        </p:txBody>
+      </p:sp>
+      <p:sp>
+        <p:nvSpPr>
+          <p:cNvPr id="4" name="Datumsplatzhalter 3">
+            <a:extLst>
+              <a:ext uri="{FF2B5EF4-FFF2-40B4-BE49-F238E27FC236}">
+                <a16:creationId xmlns:a16="http://schemas.microsoft.com/office/drawing/2014/main" id="{7B345605-B698-333F-D0FC-77FD0FD99FEC}"/>
+              </a:ext>
+            </a:extLst>
+          </p:cNvPr>
+          <p:cNvSpPr>
+            <a:spLocks noGrp="1"/>
+          </p:cNvSpPr>
+          <p:nvPr>
+            <p:ph type="dt" sz="half" idx="10"/>
+          </p:nvPr>
+        </p:nvSpPr>
+        <p:spPr/>
+        <p:txBody>
+          <a:bodyPr/>
+          <a:lstStyle/>
+          <a:p>
+            <a:r>
+              <a:rPr lang="fr-FR"/>
+              <a:t>11/06/2024</a:t>
+            </a:r>
+          </a:p>
+        </p:txBody>
+      </p:sp>
+      <p:sp>
+        <p:nvSpPr>
+          <p:cNvPr id="5" name="Fußzeilenplatzhalter 4">
+            <a:extLst>
+              <a:ext uri="{FF2B5EF4-FFF2-40B4-BE49-F238E27FC236}">
+                <a16:creationId xmlns:a16="http://schemas.microsoft.com/office/drawing/2014/main" id="{8ED454AC-A802-A201-9359-021BC587B7E8}"/>
+              </a:ext>
+            </a:extLst>
+          </p:cNvPr>
+          <p:cNvSpPr>
+            <a:spLocks noGrp="1"/>
+          </p:cNvSpPr>
+          <p:nvPr>
+            <p:ph type="ftr" sz="quarter" idx="11"/>
+          </p:nvPr>
+        </p:nvSpPr>
+        <p:spPr/>
+        <p:txBody>
+          <a:bodyPr/>
+          <a:lstStyle/>
+          <a:p>
+            <a:r>
+              <a:rPr lang="fr-FR"/>
+              <a:t>Sophie Reiland-Mézil, Sorbonne Université</a:t>
+            </a:r>
+          </a:p>
+        </p:txBody>
+      </p:sp>
+      <p:sp>
+        <p:nvSpPr>
+          <p:cNvPr id="6" name="Foliennummernplatzhalter 5">
+            <a:extLst>
+              <a:ext uri="{FF2B5EF4-FFF2-40B4-BE49-F238E27FC236}">
+                <a16:creationId xmlns:a16="http://schemas.microsoft.com/office/drawing/2014/main" id="{9289E90A-D8F6-4111-EBCC-EF6BF1029A5A}"/>
+              </a:ext>
+            </a:extLst>
+          </p:cNvPr>
+          <p:cNvSpPr>
+            <a:spLocks noGrp="1"/>
+          </p:cNvSpPr>
+          <p:nvPr>
+            <p:ph type="sldNum" sz="quarter" idx="12"/>
+          </p:nvPr>
+        </p:nvSpPr>
+        <p:spPr/>
+        <p:txBody>
+          <a:bodyPr/>
+          <a:lstStyle/>
+          <a:p>
+            <a:fld id="{6DF8D168-963E-48B1-A7EC-C96E46BCD5F7}" type="slidenum">
+              <a:rPr lang="fr-FR" smtClean="0"/>
+              <a:t>14</a:t>
+            </a:fld>
+            <a:endParaRPr lang="fr-FR"/>
+          </a:p>
+        </p:txBody>
+      </p:sp>
+    </p:spTree>
+    <p:extLst>
+      <p:ext uri="{BB962C8B-B14F-4D97-AF65-F5344CB8AC3E}">
+        <p14:creationId xmlns:p14="http://schemas.microsoft.com/office/powerpoint/2010/main" val="3002420715"/>
+      </p:ext>
+    </p:extLst>
+  </p:cSld>
+  <p:clrMapOvr>
+    <a:masterClrMapping/>
+  </p:clrMapOvr>
+</p:sld>
+</file>
+
+<file path=ppt/slides/slide15.xml><?xml version="1.0" encoding="utf-8"?>
+<p:sld xmlns:a="http://schemas.openxmlformats.org/drawingml/2006/main" xmlns:r="http://schemas.openxmlformats.org/officeDocument/2006/relationships" xmlns:p="http://schemas.openxmlformats.org/presentationml/2006/main">
+  <p:cSld>
+    <p:spTree>
+      <p:nvGrpSpPr>
+        <p:cNvPr id="1" name=""/>
+        <p:cNvGrpSpPr/>
+        <p:nvPr/>
+      </p:nvGrpSpPr>
+      <p:grpSpPr>
+        <a:xfrm>
+          <a:off x="0" y="0"/>
+          <a:ext cx="0" cy="0"/>
+          <a:chOff x="0" y="0"/>
+          <a:chExt cx="0" cy="0"/>
+        </a:xfrm>
+      </p:grpSpPr>
+      <p:sp>
+        <p:nvSpPr>
+          <p:cNvPr id="2" name="Titel 1">
+            <a:extLst>
+              <a:ext uri="{FF2B5EF4-FFF2-40B4-BE49-F238E27FC236}">
+                <a16:creationId xmlns:a16="http://schemas.microsoft.com/office/drawing/2014/main" id="{A54395F0-10FA-E67D-8085-7F1FA2091B5B}"/>
+              </a:ext>
+            </a:extLst>
+          </p:cNvPr>
+          <p:cNvSpPr>
+            <a:spLocks noGrp="1"/>
+          </p:cNvSpPr>
+          <p:nvPr>
+            <p:ph type="title"/>
+          </p:nvPr>
+        </p:nvSpPr>
+        <p:spPr/>
+        <p:txBody>
+          <a:bodyPr/>
+          <a:lstStyle/>
+          <a:p>
+            <a:r>
+              <a:rPr lang="fr-FR" dirty="0"/>
+              <a:t>Référence des fac-similés dans &lt;body&gt;</a:t>
+            </a:r>
+          </a:p>
+        </p:txBody>
+      </p:sp>
+      <p:sp>
+        <p:nvSpPr>
+          <p:cNvPr id="3" name="Inhaltsplatzhalter 2">
+            <a:extLst>
+              <a:ext uri="{FF2B5EF4-FFF2-40B4-BE49-F238E27FC236}">
+                <a16:creationId xmlns:a16="http://schemas.microsoft.com/office/drawing/2014/main" id="{5F930157-4CE2-D388-4E38-14F61FEB1E3E}"/>
+              </a:ext>
+            </a:extLst>
+          </p:cNvPr>
+          <p:cNvSpPr>
+            <a:spLocks noGrp="1"/>
+          </p:cNvSpPr>
+          <p:nvPr>
+            <p:ph idx="1"/>
+          </p:nvPr>
+        </p:nvSpPr>
+        <p:spPr/>
+        <p:txBody>
+          <a:bodyPr/>
+          <a:lstStyle/>
+          <a:p>
+            <a:r>
+              <a:rPr lang="fr-FR" dirty="0"/>
+              <a:t>Approche note par note trop chronophage</a:t>
+            </a:r>
+          </a:p>
+          <a:p>
+            <a:r>
+              <a:rPr lang="fr-FR" dirty="0"/>
+              <a:t>Solution proposée : Indication de chaque &lt;pb&gt; dans la source A et B</a:t>
+            </a:r>
+          </a:p>
+          <a:p>
+            <a:pPr lvl="1"/>
+            <a:r>
+              <a:rPr lang="fr-FR" dirty="0"/>
+              <a:t>Source A : </a:t>
+            </a:r>
+            <a:r>
+              <a:rPr lang="fr-FR" dirty="0">
+                <a:solidFill>
+                  <a:srgbClr val="000096"/>
+                </a:solidFill>
+                <a:highlight>
+                  <a:srgbClr val="FFFFFF"/>
+                </a:highlight>
+              </a:rPr>
+              <a:t>&lt;pb</a:t>
+            </a:r>
+            <a:r>
+              <a:rPr lang="fr-FR" dirty="0">
+                <a:solidFill>
+                  <a:srgbClr val="F5844C"/>
+                </a:solidFill>
+                <a:highlight>
+                  <a:srgbClr val="FFFFFF"/>
+                </a:highlight>
+              </a:rPr>
+              <a:t> facs</a:t>
+            </a:r>
+            <a:r>
+              <a:rPr lang="fr-FR" dirty="0">
+                <a:solidFill>
+                  <a:srgbClr val="FF8040"/>
+                </a:solidFill>
+                <a:highlight>
+                  <a:srgbClr val="FFFFFF"/>
+                </a:highlight>
+              </a:rPr>
+              <a:t>=</a:t>
+            </a:r>
+            <a:r>
+              <a:rPr lang="fr-FR" dirty="0">
+                <a:solidFill>
+                  <a:srgbClr val="993300"/>
+                </a:solidFill>
+                <a:highlight>
+                  <a:srgbClr val="FFFFFF"/>
+                </a:highlight>
+              </a:rPr>
+              <a:t>"#facsimile_037"</a:t>
+            </a:r>
+            <a:r>
+              <a:rPr lang="fr-FR" dirty="0">
+                <a:solidFill>
+                  <a:srgbClr val="F5844C"/>
+                </a:solidFill>
+                <a:highlight>
+                  <a:srgbClr val="FFFFFF"/>
+                </a:highlight>
+              </a:rPr>
+              <a:t> type</a:t>
+            </a:r>
+            <a:r>
+              <a:rPr lang="fr-FR" dirty="0">
+                <a:solidFill>
+                  <a:srgbClr val="FF8040"/>
+                </a:solidFill>
+                <a:highlight>
+                  <a:srgbClr val="FFFFFF"/>
+                </a:highlight>
+              </a:rPr>
+              <a:t>=</a:t>
+            </a:r>
+            <a:r>
+              <a:rPr lang="fr-FR" dirty="0">
+                <a:solidFill>
+                  <a:srgbClr val="993300"/>
+                </a:solidFill>
+                <a:highlight>
+                  <a:srgbClr val="FFFFFF"/>
+                </a:highlight>
+              </a:rPr>
+              <a:t>"</a:t>
+            </a:r>
+            <a:r>
+              <a:rPr lang="fr-FR" dirty="0" err="1">
+                <a:solidFill>
+                  <a:srgbClr val="993300"/>
+                </a:solidFill>
+                <a:highlight>
+                  <a:srgbClr val="FFFFFF"/>
+                </a:highlight>
+              </a:rPr>
+              <a:t>sourceFirstPageHornII</a:t>
+            </a:r>
+            <a:r>
+              <a:rPr lang="fr-FR" dirty="0">
+                <a:solidFill>
+                  <a:srgbClr val="993300"/>
+                </a:solidFill>
+                <a:highlight>
+                  <a:srgbClr val="FFFFFF"/>
+                </a:highlight>
+              </a:rPr>
+              <a:t>"</a:t>
+            </a:r>
+            <a:r>
+              <a:rPr lang="fr-FR" dirty="0">
+                <a:solidFill>
+                  <a:srgbClr val="F5844C"/>
+                </a:solidFill>
+                <a:highlight>
+                  <a:srgbClr val="FFFFFF"/>
+                </a:highlight>
+              </a:rPr>
+              <a:t> </a:t>
+            </a:r>
+            <a:r>
+              <a:rPr lang="fr-FR" dirty="0" err="1">
+                <a:solidFill>
+                  <a:srgbClr val="F5844C"/>
+                </a:solidFill>
+                <a:highlight>
+                  <a:srgbClr val="FFFFFF"/>
+                </a:highlight>
+              </a:rPr>
+              <a:t>corresp</a:t>
+            </a:r>
+            <a:r>
+              <a:rPr lang="fr-FR" dirty="0">
+                <a:solidFill>
+                  <a:srgbClr val="FF8040"/>
+                </a:solidFill>
+                <a:highlight>
+                  <a:srgbClr val="FFFFFF"/>
+                </a:highlight>
+              </a:rPr>
+              <a:t>=</a:t>
+            </a:r>
+            <a:r>
+              <a:rPr lang="fr-FR" dirty="0">
+                <a:solidFill>
+                  <a:srgbClr val="993300"/>
+                </a:solidFill>
+                <a:highlight>
+                  <a:srgbClr val="FFFFFF"/>
+                </a:highlight>
+              </a:rPr>
+              <a:t>"parentScore#manifestation_1_source_A"</a:t>
+            </a:r>
+            <a:r>
+              <a:rPr lang="fr-FR" dirty="0">
+                <a:solidFill>
+                  <a:srgbClr val="000096"/>
+                </a:solidFill>
+                <a:highlight>
+                  <a:srgbClr val="FFFFFF"/>
+                </a:highlight>
+              </a:rPr>
+              <a:t>&gt;&lt;/pb&gt; </a:t>
+            </a:r>
+            <a:r>
+              <a:rPr lang="fr-FR" dirty="0"/>
+              <a:t>ou </a:t>
+            </a:r>
+            <a:r>
+              <a:rPr lang="fr-FR" dirty="0">
+                <a:solidFill>
+                  <a:srgbClr val="000096"/>
+                </a:solidFill>
+                <a:highlight>
+                  <a:srgbClr val="FFFFFF"/>
+                </a:highlight>
+              </a:rPr>
+              <a:t>&lt;pb</a:t>
+            </a:r>
+            <a:r>
+              <a:rPr lang="fr-FR" dirty="0">
+                <a:solidFill>
+                  <a:srgbClr val="F5844C"/>
+                </a:solidFill>
+                <a:highlight>
+                  <a:srgbClr val="FFFFFF"/>
+                </a:highlight>
+              </a:rPr>
+              <a:t> facs</a:t>
+            </a:r>
+            <a:r>
+              <a:rPr lang="fr-FR" dirty="0">
+                <a:solidFill>
+                  <a:srgbClr val="FF8040"/>
+                </a:solidFill>
+                <a:highlight>
+                  <a:srgbClr val="FFFFFF"/>
+                </a:highlight>
+              </a:rPr>
+              <a:t>=</a:t>
+            </a:r>
+            <a:r>
+              <a:rPr lang="fr-FR" dirty="0">
+                <a:solidFill>
+                  <a:srgbClr val="993300"/>
+                </a:solidFill>
+                <a:highlight>
+                  <a:srgbClr val="FFFFFF"/>
+                </a:highlight>
+              </a:rPr>
+              <a:t>"#facsimile_049"</a:t>
+            </a:r>
+            <a:r>
+              <a:rPr lang="fr-FR" dirty="0">
+                <a:solidFill>
+                  <a:srgbClr val="F5844C"/>
+                </a:solidFill>
+                <a:highlight>
+                  <a:srgbClr val="FFFFFF"/>
+                </a:highlight>
+              </a:rPr>
+              <a:t> type</a:t>
+            </a:r>
+            <a:r>
+              <a:rPr lang="fr-FR" dirty="0">
+                <a:solidFill>
+                  <a:srgbClr val="FF8040"/>
+                </a:solidFill>
+                <a:highlight>
+                  <a:srgbClr val="FFFFFF"/>
+                </a:highlight>
+              </a:rPr>
+              <a:t>=</a:t>
+            </a:r>
+            <a:r>
+              <a:rPr lang="fr-FR" dirty="0">
+                <a:solidFill>
+                  <a:srgbClr val="993300"/>
+                </a:solidFill>
+                <a:highlight>
+                  <a:srgbClr val="FFFFFF"/>
+                </a:highlight>
+              </a:rPr>
+              <a:t>"</a:t>
+            </a:r>
+            <a:r>
+              <a:rPr lang="fr-FR" dirty="0" err="1">
+                <a:solidFill>
+                  <a:srgbClr val="993300"/>
+                </a:solidFill>
+                <a:highlight>
+                  <a:srgbClr val="FFFFFF"/>
+                </a:highlight>
+              </a:rPr>
+              <a:t>sourcePBBass</a:t>
+            </a:r>
+            <a:r>
+              <a:rPr lang="fr-FR" dirty="0">
+                <a:solidFill>
+                  <a:srgbClr val="993300"/>
+                </a:solidFill>
+                <a:highlight>
+                  <a:srgbClr val="FFFFFF"/>
+                </a:highlight>
+              </a:rPr>
+              <a:t>"</a:t>
+            </a:r>
+            <a:r>
+              <a:rPr lang="fr-FR" dirty="0">
+                <a:solidFill>
+                  <a:srgbClr val="F5844C"/>
+                </a:solidFill>
+                <a:highlight>
+                  <a:srgbClr val="FFFFFF"/>
+                </a:highlight>
+              </a:rPr>
+              <a:t> </a:t>
+            </a:r>
+            <a:r>
+              <a:rPr lang="fr-FR" dirty="0" err="1">
+                <a:solidFill>
+                  <a:srgbClr val="F5844C"/>
+                </a:solidFill>
+                <a:highlight>
+                  <a:srgbClr val="FFFFFF"/>
+                </a:highlight>
+              </a:rPr>
+              <a:t>corresp</a:t>
+            </a:r>
+            <a:r>
+              <a:rPr lang="fr-FR" dirty="0">
+                <a:solidFill>
+                  <a:srgbClr val="FF8040"/>
+                </a:solidFill>
+                <a:highlight>
+                  <a:srgbClr val="FFFFFF"/>
+                </a:highlight>
+              </a:rPr>
+              <a:t>=</a:t>
+            </a:r>
+            <a:r>
+              <a:rPr lang="fr-FR" dirty="0">
+                <a:solidFill>
+                  <a:srgbClr val="993300"/>
+                </a:solidFill>
+                <a:highlight>
+                  <a:srgbClr val="FFFFFF"/>
+                </a:highlight>
+              </a:rPr>
+              <a:t>"parentScore#manifestation_1_source_A"</a:t>
+            </a:r>
+            <a:r>
+              <a:rPr lang="fr-FR" dirty="0">
+                <a:solidFill>
+                  <a:srgbClr val="000096"/>
+                </a:solidFill>
+                <a:highlight>
+                  <a:srgbClr val="FFFFFF"/>
+                </a:highlight>
+              </a:rPr>
+              <a:t>&gt;&lt;/pb&gt;</a:t>
+            </a:r>
+            <a:endParaRPr lang="fr-FR" dirty="0"/>
+          </a:p>
+          <a:p>
+            <a:pPr lvl="1"/>
+            <a:r>
+              <a:rPr lang="fr-FR" dirty="0">
+                <a:effectLst/>
+              </a:rPr>
+              <a:t>Source B : </a:t>
+            </a:r>
+            <a:r>
+              <a:rPr lang="fr-FR" dirty="0">
+                <a:solidFill>
+                  <a:srgbClr val="000096"/>
+                </a:solidFill>
+                <a:highlight>
+                  <a:srgbClr val="FFFFFF"/>
+                </a:highlight>
+              </a:rPr>
+              <a:t>&lt;pb</a:t>
+            </a:r>
+            <a:r>
+              <a:rPr lang="fr-FR" dirty="0">
+                <a:solidFill>
+                  <a:srgbClr val="F5844C"/>
+                </a:solidFill>
+                <a:highlight>
+                  <a:srgbClr val="FFFFFF"/>
+                </a:highlight>
+              </a:rPr>
+              <a:t> facs</a:t>
+            </a:r>
+            <a:r>
+              <a:rPr lang="fr-FR" dirty="0">
+                <a:solidFill>
+                  <a:srgbClr val="FF8040"/>
+                </a:solidFill>
+                <a:highlight>
+                  <a:srgbClr val="FFFFFF"/>
+                </a:highlight>
+              </a:rPr>
+              <a:t>=</a:t>
+            </a:r>
+            <a:r>
+              <a:rPr lang="fr-FR" dirty="0">
+                <a:solidFill>
+                  <a:srgbClr val="993300"/>
+                </a:solidFill>
+                <a:highlight>
+                  <a:srgbClr val="FFFFFF"/>
+                </a:highlight>
+              </a:rPr>
+              <a:t>"#facsimile_002"</a:t>
+            </a:r>
+            <a:r>
+              <a:rPr lang="fr-FR" dirty="0">
+                <a:solidFill>
+                  <a:srgbClr val="F5844C"/>
+                </a:solidFill>
+                <a:highlight>
+                  <a:srgbClr val="FFFFFF"/>
+                </a:highlight>
+              </a:rPr>
+              <a:t> type</a:t>
+            </a:r>
+            <a:r>
+              <a:rPr lang="fr-FR" dirty="0">
+                <a:solidFill>
+                  <a:srgbClr val="FF8040"/>
+                </a:solidFill>
+                <a:highlight>
+                  <a:srgbClr val="FFFFFF"/>
+                </a:highlight>
+              </a:rPr>
+              <a:t>=</a:t>
+            </a:r>
+            <a:r>
+              <a:rPr lang="fr-FR" dirty="0">
+                <a:solidFill>
+                  <a:srgbClr val="993300"/>
+                </a:solidFill>
+                <a:highlight>
+                  <a:srgbClr val="FFFFFF"/>
+                </a:highlight>
+              </a:rPr>
+              <a:t>"</a:t>
+            </a:r>
+            <a:r>
+              <a:rPr lang="fr-FR" dirty="0" err="1">
+                <a:solidFill>
+                  <a:srgbClr val="993300"/>
+                </a:solidFill>
+                <a:highlight>
+                  <a:srgbClr val="FFFFFF"/>
+                </a:highlight>
+              </a:rPr>
+              <a:t>sourceFirstPage</a:t>
+            </a:r>
+            <a:r>
+              <a:rPr lang="fr-FR" dirty="0">
+                <a:solidFill>
+                  <a:srgbClr val="993300"/>
+                </a:solidFill>
+                <a:highlight>
+                  <a:srgbClr val="FFFFFF"/>
+                </a:highlight>
+              </a:rPr>
+              <a:t>"</a:t>
+            </a:r>
+            <a:r>
+              <a:rPr lang="fr-FR" dirty="0">
+                <a:solidFill>
+                  <a:srgbClr val="F5844C"/>
+                </a:solidFill>
+                <a:highlight>
+                  <a:srgbClr val="FFFFFF"/>
+                </a:highlight>
+              </a:rPr>
+              <a:t> </a:t>
+            </a:r>
+            <a:r>
+              <a:rPr lang="fr-FR" dirty="0" err="1">
+                <a:solidFill>
+                  <a:srgbClr val="F5844C"/>
+                </a:solidFill>
+                <a:highlight>
+                  <a:srgbClr val="FFFFFF"/>
+                </a:highlight>
+              </a:rPr>
+              <a:t>corresp</a:t>
+            </a:r>
+            <a:r>
+              <a:rPr lang="fr-FR" dirty="0">
+                <a:solidFill>
+                  <a:srgbClr val="FF8040"/>
+                </a:solidFill>
+                <a:highlight>
+                  <a:srgbClr val="FFFFFF"/>
+                </a:highlight>
+              </a:rPr>
+              <a:t>=</a:t>
+            </a:r>
+            <a:r>
+              <a:rPr lang="fr-FR" dirty="0">
+                <a:solidFill>
+                  <a:srgbClr val="993300"/>
+                </a:solidFill>
+                <a:highlight>
+                  <a:srgbClr val="FFFFFF"/>
+                </a:highlight>
+              </a:rPr>
+              <a:t>"parentScore#manifestation_1_source_B"</a:t>
+            </a:r>
+            <a:r>
+              <a:rPr lang="fr-FR" dirty="0">
+                <a:solidFill>
+                  <a:srgbClr val="000096"/>
+                </a:solidFill>
+                <a:highlight>
+                  <a:srgbClr val="FFFFFF"/>
+                </a:highlight>
+              </a:rPr>
+              <a:t>&gt;&lt;/pb&gt; </a:t>
+            </a:r>
+            <a:r>
+              <a:rPr lang="fr-FR" dirty="0"/>
+              <a:t>ou </a:t>
+            </a:r>
+            <a:r>
+              <a:rPr lang="fr-FR" dirty="0">
+                <a:solidFill>
+                  <a:srgbClr val="000096"/>
+                </a:solidFill>
+                <a:highlight>
+                  <a:srgbClr val="FFFFFF"/>
+                </a:highlight>
+              </a:rPr>
+              <a:t>&lt;pb</a:t>
+            </a:r>
+            <a:r>
+              <a:rPr lang="fr-FR" dirty="0">
+                <a:solidFill>
+                  <a:srgbClr val="F5844C"/>
+                </a:solidFill>
+                <a:highlight>
+                  <a:srgbClr val="FFFFFF"/>
+                </a:highlight>
+              </a:rPr>
+              <a:t> facs</a:t>
+            </a:r>
+            <a:r>
+              <a:rPr lang="fr-FR" dirty="0">
+                <a:solidFill>
+                  <a:srgbClr val="FF8040"/>
+                </a:solidFill>
+                <a:highlight>
+                  <a:srgbClr val="FFFFFF"/>
+                </a:highlight>
+              </a:rPr>
+              <a:t>=</a:t>
+            </a:r>
+            <a:r>
+              <a:rPr lang="fr-FR" dirty="0">
+                <a:solidFill>
+                  <a:srgbClr val="993300"/>
+                </a:solidFill>
+                <a:highlight>
+                  <a:srgbClr val="FFFFFF"/>
+                </a:highlight>
+              </a:rPr>
+              <a:t>"#facsimile_003"</a:t>
+            </a:r>
+            <a:r>
+              <a:rPr lang="fr-FR" dirty="0">
+                <a:solidFill>
+                  <a:srgbClr val="F5844C"/>
+                </a:solidFill>
+                <a:highlight>
+                  <a:srgbClr val="FFFFFF"/>
+                </a:highlight>
+              </a:rPr>
+              <a:t> type</a:t>
+            </a:r>
+            <a:r>
+              <a:rPr lang="fr-FR" dirty="0">
+                <a:solidFill>
+                  <a:srgbClr val="FF8040"/>
+                </a:solidFill>
+                <a:highlight>
+                  <a:srgbClr val="FFFFFF"/>
+                </a:highlight>
+              </a:rPr>
+              <a:t>=</a:t>
+            </a:r>
+            <a:r>
+              <a:rPr lang="fr-FR" dirty="0">
+                <a:solidFill>
+                  <a:srgbClr val="993300"/>
+                </a:solidFill>
+                <a:highlight>
+                  <a:srgbClr val="FFFFFF"/>
+                </a:highlight>
+              </a:rPr>
+              <a:t>"</a:t>
+            </a:r>
+            <a:r>
+              <a:rPr lang="fr-FR" dirty="0" err="1">
+                <a:solidFill>
+                  <a:srgbClr val="993300"/>
+                </a:solidFill>
+                <a:highlight>
+                  <a:srgbClr val="FFFFFF"/>
+                </a:highlight>
+              </a:rPr>
+              <a:t>sourcePB</a:t>
+            </a:r>
+            <a:r>
+              <a:rPr lang="fr-FR" dirty="0">
+                <a:solidFill>
+                  <a:srgbClr val="993300"/>
+                </a:solidFill>
+                <a:highlight>
+                  <a:srgbClr val="FFFFFF"/>
+                </a:highlight>
+              </a:rPr>
+              <a:t>"</a:t>
+            </a:r>
+            <a:r>
+              <a:rPr lang="fr-FR" dirty="0">
+                <a:solidFill>
+                  <a:srgbClr val="F5844C"/>
+                </a:solidFill>
+                <a:highlight>
+                  <a:srgbClr val="FFFFFF"/>
+                </a:highlight>
+              </a:rPr>
+              <a:t> </a:t>
+            </a:r>
+            <a:r>
+              <a:rPr lang="fr-FR" dirty="0" err="1">
+                <a:solidFill>
+                  <a:srgbClr val="F5844C"/>
+                </a:solidFill>
+                <a:highlight>
+                  <a:srgbClr val="FFFFFF"/>
+                </a:highlight>
+              </a:rPr>
+              <a:t>corresp</a:t>
+            </a:r>
+            <a:r>
+              <a:rPr lang="fr-FR" dirty="0">
+                <a:solidFill>
+                  <a:srgbClr val="FF8040"/>
+                </a:solidFill>
+                <a:highlight>
+                  <a:srgbClr val="FFFFFF"/>
+                </a:highlight>
+              </a:rPr>
+              <a:t>=</a:t>
+            </a:r>
+            <a:r>
+              <a:rPr lang="fr-FR" dirty="0">
+                <a:solidFill>
+                  <a:srgbClr val="993300"/>
+                </a:solidFill>
+                <a:highlight>
+                  <a:srgbClr val="FFFFFF"/>
+                </a:highlight>
+              </a:rPr>
+              <a:t>"parentScore#manifestation_1_sourceB"</a:t>
+            </a:r>
+            <a:r>
+              <a:rPr lang="fr-FR" dirty="0">
+                <a:solidFill>
+                  <a:srgbClr val="000096"/>
+                </a:solidFill>
+                <a:highlight>
+                  <a:srgbClr val="FFFFFF"/>
+                </a:highlight>
+              </a:rPr>
+              <a:t>&gt;&lt;/pb&gt;</a:t>
+            </a:r>
+            <a:endParaRPr lang="fr-FR" dirty="0">
+              <a:solidFill>
+                <a:srgbClr val="000096"/>
+              </a:solidFill>
+              <a:effectLst/>
+              <a:highlight>
+                <a:srgbClr val="FFFFFF"/>
+              </a:highlight>
+            </a:endParaRPr>
+          </a:p>
+          <a:p>
+            <a:pPr lvl="1"/>
+            <a:r>
+              <a:rPr lang="fr-FR" dirty="0">
+                <a:sym typeface="Wingdings" panose="05000000000000000000" pitchFamily="2" charset="2"/>
+              </a:rPr>
+              <a:t> la référence au document mère ne marche pas encore !</a:t>
+            </a:r>
+            <a:endParaRPr lang="fr-FR" dirty="0"/>
+          </a:p>
+        </p:txBody>
+      </p:sp>
+      <p:sp>
+        <p:nvSpPr>
+          <p:cNvPr id="4" name="Datumsplatzhalter 3">
+            <a:extLst>
+              <a:ext uri="{FF2B5EF4-FFF2-40B4-BE49-F238E27FC236}">
+                <a16:creationId xmlns:a16="http://schemas.microsoft.com/office/drawing/2014/main" id="{D32621DB-5D07-B2A4-10C7-D454A1E5A112}"/>
+              </a:ext>
+            </a:extLst>
+          </p:cNvPr>
+          <p:cNvSpPr>
+            <a:spLocks noGrp="1"/>
+          </p:cNvSpPr>
+          <p:nvPr>
+            <p:ph type="dt" sz="half" idx="10"/>
+          </p:nvPr>
+        </p:nvSpPr>
+        <p:spPr/>
+        <p:txBody>
+          <a:bodyPr/>
+          <a:lstStyle/>
+          <a:p>
+            <a:r>
+              <a:rPr lang="fr-FR"/>
+              <a:t>11/06/2024</a:t>
+            </a:r>
+          </a:p>
+        </p:txBody>
+      </p:sp>
+      <p:sp>
+        <p:nvSpPr>
+          <p:cNvPr id="5" name="Fußzeilenplatzhalter 4">
+            <a:extLst>
+              <a:ext uri="{FF2B5EF4-FFF2-40B4-BE49-F238E27FC236}">
+                <a16:creationId xmlns:a16="http://schemas.microsoft.com/office/drawing/2014/main" id="{9E3D1DBE-8557-E8A7-AB5F-FF81EB0F1CDE}"/>
+              </a:ext>
+            </a:extLst>
+          </p:cNvPr>
+          <p:cNvSpPr>
+            <a:spLocks noGrp="1"/>
+          </p:cNvSpPr>
+          <p:nvPr>
+            <p:ph type="ftr" sz="quarter" idx="11"/>
+          </p:nvPr>
+        </p:nvSpPr>
+        <p:spPr/>
+        <p:txBody>
+          <a:bodyPr/>
+          <a:lstStyle/>
+          <a:p>
+            <a:r>
+              <a:rPr lang="fr-FR"/>
+              <a:t>Sophie Reiland-Mézil, Sorbonne Université</a:t>
+            </a:r>
+          </a:p>
+        </p:txBody>
+      </p:sp>
+      <p:sp>
+        <p:nvSpPr>
+          <p:cNvPr id="6" name="Foliennummernplatzhalter 5">
+            <a:extLst>
+              <a:ext uri="{FF2B5EF4-FFF2-40B4-BE49-F238E27FC236}">
+                <a16:creationId xmlns:a16="http://schemas.microsoft.com/office/drawing/2014/main" id="{FFD61EAD-4B2F-25F5-42E7-C13C6B525CB5}"/>
+              </a:ext>
+            </a:extLst>
+          </p:cNvPr>
+          <p:cNvSpPr>
+            <a:spLocks noGrp="1"/>
+          </p:cNvSpPr>
+          <p:nvPr>
+            <p:ph type="sldNum" sz="quarter" idx="12"/>
+          </p:nvPr>
+        </p:nvSpPr>
+        <p:spPr/>
+        <p:txBody>
+          <a:bodyPr/>
+          <a:lstStyle/>
+          <a:p>
+            <a:fld id="{6DF8D168-963E-48B1-A7EC-C96E46BCD5F7}" type="slidenum">
+              <a:rPr lang="fr-FR" smtClean="0"/>
+              <a:t>15</a:t>
+            </a:fld>
+            <a:endParaRPr lang="fr-FR"/>
+          </a:p>
+        </p:txBody>
+      </p:sp>
+    </p:spTree>
+    <p:extLst>
+      <p:ext uri="{BB962C8B-B14F-4D97-AF65-F5344CB8AC3E}">
+        <p14:creationId xmlns:p14="http://schemas.microsoft.com/office/powerpoint/2010/main" val="3118773217"/>
+      </p:ext>
+    </p:extLst>
+  </p:cSld>
+  <p:clrMapOvr>
+    <a:masterClrMapping/>
+  </p:clrMapOvr>
+</p:sld>
+</file>
+
 <file path=ppt/slides/slide2.xml><?xml version="1.0" encoding="utf-8"?>
 <p:sld xmlns:a="http://schemas.openxmlformats.org/drawingml/2006/main" xmlns:r="http://schemas.openxmlformats.org/officeDocument/2006/relationships" xmlns:p="http://schemas.openxmlformats.org/presentationml/2006/main">
   <p:cSld>
@@ -7480,7 +10367,7 @@
           <p:cNvPr id="2" name="Titel 1">
             <a:extLst>
               <a:ext uri="{FF2B5EF4-FFF2-40B4-BE49-F238E27FC236}">
-                <a16:creationId xmlns:a16="http://schemas.microsoft.com/office/drawing/2014/main" id="{4F45F52E-EF63-4A23-D320-0E7C305CAFC7}"/>
+                <a16:creationId xmlns:a16="http://schemas.microsoft.com/office/drawing/2014/main" id="{30822C52-BA18-EB39-CD56-27ECF3F7C901}"/>
               </a:ext>
             </a:extLst>
           </p:cNvPr>
@@ -7498,8 +10385,41 @@
           <a:p>
             <a:r>
               <a:rPr lang="fr-FR" dirty="0"/>
-              <a:t>Header</a:t>
-            </a:r>
+              <a:t>relation entre parent et </a:t>
+            </a:r>
+            <a:r>
+              <a:rPr lang="fr-FR" dirty="0" err="1"/>
+              <a:t>child</a:t>
+            </a:r>
+            <a:r>
+              <a:rPr lang="fr-FR" dirty="0"/>
+              <a:t> document</a:t>
+            </a:r>
+          </a:p>
+        </p:txBody>
+      </p:sp>
+      <p:sp>
+        <p:nvSpPr>
+          <p:cNvPr id="3" name="Textplatzhalter 2">
+            <a:extLst>
+              <a:ext uri="{FF2B5EF4-FFF2-40B4-BE49-F238E27FC236}">
+                <a16:creationId xmlns:a16="http://schemas.microsoft.com/office/drawing/2014/main" id="{50D210DA-C1E6-F819-3FD2-4DB6816D51F2}"/>
+              </a:ext>
+            </a:extLst>
+          </p:cNvPr>
+          <p:cNvSpPr>
+            <a:spLocks noGrp="1"/>
+          </p:cNvSpPr>
+          <p:nvPr>
+            <p:ph type="body" idx="1"/>
+          </p:nvPr>
+        </p:nvSpPr>
+        <p:spPr/>
+        <p:txBody>
+          <a:bodyPr/>
+          <a:lstStyle/>
+          <a:p>
+            <a:endParaRPr lang="fr-FR"/>
           </a:p>
         </p:txBody>
       </p:sp>
@@ -7508,7 +10428,7 @@
           <p:cNvPr id="4" name="Datumsplatzhalter 3">
             <a:extLst>
               <a:ext uri="{FF2B5EF4-FFF2-40B4-BE49-F238E27FC236}">
-                <a16:creationId xmlns:a16="http://schemas.microsoft.com/office/drawing/2014/main" id="{F8265F87-BE1D-EF57-0DDF-1BE40BB43A8B}"/>
+                <a16:creationId xmlns:a16="http://schemas.microsoft.com/office/drawing/2014/main" id="{23F8FA57-7525-F845-C1A5-300F7B56DC35}"/>
               </a:ext>
             </a:extLst>
           </p:cNvPr>
@@ -7536,7 +10456,7 @@
           <p:cNvPr id="5" name="Fußzeilenplatzhalter 4">
             <a:extLst>
               <a:ext uri="{FF2B5EF4-FFF2-40B4-BE49-F238E27FC236}">
-                <a16:creationId xmlns:a16="http://schemas.microsoft.com/office/drawing/2014/main" id="{90A2F951-BD82-B568-6534-0255980CF93F}"/>
+                <a16:creationId xmlns:a16="http://schemas.microsoft.com/office/drawing/2014/main" id="{E6AD92D1-0B48-BA4F-6A0E-A3B54DF00227}"/>
               </a:ext>
             </a:extLst>
           </p:cNvPr>
@@ -7564,7 +10484,7 @@
           <p:cNvPr id="6" name="Foliennummernplatzhalter 5">
             <a:extLst>
               <a:ext uri="{FF2B5EF4-FFF2-40B4-BE49-F238E27FC236}">
-                <a16:creationId xmlns:a16="http://schemas.microsoft.com/office/drawing/2014/main" id="{8F08E157-2C78-197F-F812-572BE4F4E955}"/>
+                <a16:creationId xmlns:a16="http://schemas.microsoft.com/office/drawing/2014/main" id="{D0D0EBB5-8D80-5297-DD96-C9344D2AA1DD}"/>
               </a:ext>
             </a:extLst>
           </p:cNvPr>
@@ -7591,7 +10511,7 @@
     </p:spTree>
     <p:extLst>
       <p:ext uri="{BB962C8B-B14F-4D97-AF65-F5344CB8AC3E}">
-        <p14:creationId xmlns:p14="http://schemas.microsoft.com/office/powerpoint/2010/main" val="3519446428"/>
+        <p14:creationId xmlns:p14="http://schemas.microsoft.com/office/powerpoint/2010/main" val="538122442"/>
       </p:ext>
     </p:extLst>
   </p:cSld>
@@ -7623,7 +10543,7 @@
           <p:cNvPr id="2" name="Titel 1">
             <a:extLst>
               <a:ext uri="{FF2B5EF4-FFF2-40B4-BE49-F238E27FC236}">
-                <a16:creationId xmlns:a16="http://schemas.microsoft.com/office/drawing/2014/main" id="{E544F8AC-DCFE-BEB2-C514-2253E176E071}"/>
+                <a16:creationId xmlns:a16="http://schemas.microsoft.com/office/drawing/2014/main" id="{C0B78297-4367-03AC-DCF6-F4B767D6589F}"/>
               </a:ext>
             </a:extLst>
           </p:cNvPr>
@@ -7640,19 +10560,18 @@
           <a:lstStyle/>
           <a:p>
             <a:r>
-              <a:rPr lang="fr-FR" dirty="0" err="1"/>
-              <a:t>Fragensammlung</a:t>
-            </a:r>
-            <a:endParaRPr lang="fr-FR" dirty="0"/>
-          </a:p>
-        </p:txBody>
-      </p:sp>
-      <p:sp>
-        <p:nvSpPr>
-          <p:cNvPr id="3" name="Inhaltsplatzhalter 2">
+              <a:rPr lang="fr-FR" dirty="0"/>
+              <a:t>Relation entre les documents mère et enfants</a:t>
+            </a:r>
+          </a:p>
+        </p:txBody>
+      </p:sp>
+      <p:sp>
+        <p:nvSpPr>
+          <p:cNvPr id="3" name="Textplatzhalter 2">
             <a:extLst>
               <a:ext uri="{FF2B5EF4-FFF2-40B4-BE49-F238E27FC236}">
-                <a16:creationId xmlns:a16="http://schemas.microsoft.com/office/drawing/2014/main" id="{963800C5-F461-2DE1-1F09-0F219E24DC42}"/>
+                <a16:creationId xmlns:a16="http://schemas.microsoft.com/office/drawing/2014/main" id="{19EC617D-3489-851D-C49B-95662963B8A0}"/>
               </a:ext>
             </a:extLst>
           </p:cNvPr>
@@ -7660,461 +10579,27 @@
             <a:spLocks noGrp="1"/>
           </p:cNvSpPr>
           <p:nvPr>
-            <p:ph idx="1"/>
-          </p:nvPr>
-        </p:nvSpPr>
-        <p:spPr/>
-        <p:txBody>
-          <a:bodyPr/>
-          <a:lstStyle/>
-          <a:p>
-            <a:r>
-              <a:rPr lang="fr-FR" dirty="0" err="1"/>
-              <a:t>Mehrere</a:t>
-            </a:r>
-            <a:r>
-              <a:rPr lang="fr-FR" dirty="0"/>
-              <a:t> </a:t>
-            </a:r>
-            <a:r>
-              <a:rPr lang="fr-FR" dirty="0" err="1"/>
-              <a:t>Fragen</a:t>
-            </a:r>
-            <a:r>
-              <a:rPr lang="fr-FR" dirty="0"/>
-              <a:t> </a:t>
-            </a:r>
-            <a:r>
-              <a:rPr lang="fr-FR" dirty="0" err="1"/>
-              <a:t>zu</a:t>
-            </a:r>
-            <a:r>
-              <a:rPr lang="fr-FR" dirty="0"/>
-              <a:t> </a:t>
-            </a:r>
-            <a:r>
-              <a:rPr lang="fr-FR" dirty="0" err="1"/>
-              <a:t>Verweisen</a:t>
-            </a:r>
-            <a:r>
-              <a:rPr lang="fr-FR" dirty="0"/>
-              <a:t> </a:t>
-            </a:r>
-            <a:r>
-              <a:rPr lang="fr-FR" dirty="0" err="1"/>
-              <a:t>auf</a:t>
-            </a:r>
-            <a:r>
-              <a:rPr lang="fr-FR" dirty="0"/>
-              <a:t> Folios</a:t>
-            </a:r>
-          </a:p>
-          <a:p>
-            <a:pPr lvl="1"/>
-            <a:r>
-              <a:rPr lang="fr-FR" dirty="0" err="1"/>
-              <a:t>Wozu</a:t>
-            </a:r>
-            <a:r>
-              <a:rPr lang="fr-FR" dirty="0"/>
-              <a:t> </a:t>
-            </a:r>
-            <a:r>
-              <a:rPr lang="fr-FR" dirty="0" err="1"/>
-              <a:t>ist</a:t>
-            </a:r>
-            <a:r>
-              <a:rPr lang="fr-FR" dirty="0"/>
-              <a:t> locus </a:t>
-            </a:r>
-            <a:r>
-              <a:rPr lang="fr-FR" dirty="0" err="1"/>
-              <a:t>und</a:t>
-            </a:r>
-            <a:r>
-              <a:rPr lang="fr-FR" dirty="0"/>
-              <a:t> </a:t>
-            </a:r>
-            <a:r>
-              <a:rPr lang="fr-FR" dirty="0" err="1"/>
-              <a:t>locusGrp</a:t>
-            </a:r>
-            <a:r>
-              <a:rPr lang="fr-FR" dirty="0"/>
-              <a:t> da?</a:t>
-            </a:r>
-          </a:p>
-          <a:p>
-            <a:pPr lvl="1"/>
-            <a:r>
-              <a:rPr lang="fr-FR" dirty="0" err="1"/>
-              <a:t>Wie</a:t>
-            </a:r>
-            <a:r>
-              <a:rPr lang="fr-FR" dirty="0"/>
-              <a:t> </a:t>
-            </a:r>
-            <a:r>
-              <a:rPr lang="fr-FR" dirty="0" err="1"/>
-              <a:t>kann</a:t>
-            </a:r>
-            <a:r>
-              <a:rPr lang="fr-FR" dirty="0"/>
-              <a:t> </a:t>
-            </a:r>
-            <a:r>
-              <a:rPr lang="fr-FR" dirty="0" err="1"/>
-              <a:t>ich</a:t>
-            </a:r>
-            <a:r>
-              <a:rPr lang="fr-FR" dirty="0"/>
-              <a:t> (</a:t>
-            </a:r>
-            <a:r>
-              <a:rPr lang="fr-FR" dirty="0" err="1"/>
-              <a:t>bspw</a:t>
-            </a:r>
-            <a:r>
-              <a:rPr lang="fr-FR" dirty="0"/>
-              <a:t>. In </a:t>
-            </a:r>
-            <a:r>
-              <a:rPr lang="fr-FR" dirty="0" err="1"/>
-              <a:t>editDecl</a:t>
-            </a:r>
-            <a:r>
-              <a:rPr lang="fr-FR" dirty="0"/>
-              <a:t> </a:t>
-            </a:r>
-            <a:r>
-              <a:rPr lang="fr-FR" dirty="0" err="1"/>
-              <a:t>oder</a:t>
-            </a:r>
-            <a:r>
-              <a:rPr lang="fr-FR" dirty="0"/>
-              <a:t> </a:t>
-            </a:r>
-            <a:r>
-              <a:rPr lang="fr-FR" dirty="0" err="1"/>
-              <a:t>manifestationList</a:t>
-            </a:r>
-            <a:r>
-              <a:rPr lang="fr-FR" dirty="0"/>
-              <a:t>) </a:t>
-            </a:r>
-            <a:r>
-              <a:rPr lang="fr-FR" dirty="0" err="1"/>
-              <a:t>auf</a:t>
-            </a:r>
-            <a:r>
-              <a:rPr lang="fr-FR" dirty="0"/>
-              <a:t> </a:t>
-            </a:r>
-            <a:r>
-              <a:rPr lang="fr-FR" dirty="0" err="1"/>
-              <a:t>einzelne</a:t>
-            </a:r>
-            <a:r>
-              <a:rPr lang="fr-FR" dirty="0"/>
-              <a:t> </a:t>
-            </a:r>
-            <a:r>
-              <a:rPr lang="fr-FR" dirty="0" err="1"/>
-              <a:t>oder</a:t>
-            </a:r>
-            <a:r>
-              <a:rPr lang="fr-FR" dirty="0"/>
-              <a:t> </a:t>
-            </a:r>
-            <a:r>
-              <a:rPr lang="fr-FR" dirty="0" err="1"/>
-              <a:t>mehrere</a:t>
-            </a:r>
-            <a:r>
-              <a:rPr lang="fr-FR" dirty="0"/>
-              <a:t> Folio </a:t>
-            </a:r>
-            <a:r>
-              <a:rPr lang="fr-FR" dirty="0" err="1"/>
-              <a:t>innerhalb</a:t>
-            </a:r>
-            <a:r>
-              <a:rPr lang="fr-FR" dirty="0"/>
-              <a:t> des </a:t>
-            </a:r>
-            <a:r>
-              <a:rPr lang="fr-FR" dirty="0" err="1"/>
-              <a:t>Faksimile</a:t>
-            </a:r>
-            <a:r>
-              <a:rPr lang="fr-FR" dirty="0"/>
-              <a:t> </a:t>
-            </a:r>
-            <a:r>
-              <a:rPr lang="fr-FR" dirty="0" err="1"/>
-              <a:t>verweisen</a:t>
-            </a:r>
-            <a:r>
-              <a:rPr lang="fr-FR" dirty="0"/>
-              <a:t>?</a:t>
-            </a:r>
-          </a:p>
-          <a:p>
-            <a:pPr lvl="1"/>
-            <a:r>
-              <a:rPr lang="fr-FR" dirty="0" err="1"/>
-              <a:t>Wie</a:t>
-            </a:r>
-            <a:r>
-              <a:rPr lang="fr-FR" dirty="0"/>
-              <a:t> </a:t>
-            </a:r>
-            <a:r>
-              <a:rPr lang="fr-FR" dirty="0" err="1"/>
-              <a:t>kann</a:t>
-            </a:r>
-            <a:r>
-              <a:rPr lang="fr-FR" dirty="0"/>
-              <a:t> </a:t>
-            </a:r>
-            <a:r>
-              <a:rPr lang="fr-FR" dirty="0" err="1"/>
-              <a:t>ich</a:t>
-            </a:r>
-            <a:r>
-              <a:rPr lang="fr-FR" dirty="0"/>
-              <a:t> die </a:t>
-            </a:r>
-            <a:r>
-              <a:rPr lang="fr-FR" dirty="0" err="1"/>
-              <a:t>innere</a:t>
-            </a:r>
-            <a:r>
-              <a:rPr lang="fr-FR" dirty="0"/>
-              <a:t> Organisation des </a:t>
-            </a:r>
-            <a:r>
-              <a:rPr lang="fr-FR" dirty="0" err="1"/>
-              <a:t>Manuskripts</a:t>
-            </a:r>
-            <a:r>
-              <a:rPr lang="fr-FR" dirty="0"/>
-              <a:t> </a:t>
-            </a:r>
-            <a:r>
-              <a:rPr lang="fr-FR" dirty="0" err="1"/>
-              <a:t>verdeutlichen</a:t>
-            </a:r>
-            <a:r>
-              <a:rPr lang="fr-FR" dirty="0"/>
-              <a:t> (</a:t>
-            </a:r>
-            <a:r>
-              <a:rPr lang="fr-FR" dirty="0" err="1"/>
-              <a:t>Aufteilung</a:t>
-            </a:r>
-            <a:r>
-              <a:rPr lang="fr-FR" dirty="0"/>
-              <a:t> in </a:t>
-            </a:r>
-            <a:r>
-              <a:rPr lang="fr-FR" dirty="0" err="1"/>
-              <a:t>Partitur</a:t>
-            </a:r>
-            <a:r>
-              <a:rPr lang="fr-FR" dirty="0"/>
-              <a:t> </a:t>
-            </a:r>
-            <a:r>
-              <a:rPr lang="fr-FR" dirty="0" err="1"/>
-              <a:t>und</a:t>
-            </a:r>
-            <a:r>
-              <a:rPr lang="fr-FR" dirty="0"/>
-              <a:t> </a:t>
-            </a:r>
-            <a:r>
-              <a:rPr lang="fr-FR" dirty="0" err="1"/>
-              <a:t>Stimmen</a:t>
-            </a:r>
-            <a:r>
-              <a:rPr lang="fr-FR" dirty="0"/>
-              <a:t>)?</a:t>
-            </a:r>
-          </a:p>
-          <a:p>
-            <a:r>
-              <a:rPr lang="fr-FR" dirty="0" err="1"/>
-              <a:t>Wie</a:t>
-            </a:r>
-            <a:r>
-              <a:rPr lang="fr-FR" dirty="0"/>
-              <a:t> </a:t>
-            </a:r>
-            <a:r>
-              <a:rPr lang="fr-FR" dirty="0" err="1"/>
-              <a:t>kann</a:t>
-            </a:r>
-            <a:r>
-              <a:rPr lang="fr-FR" dirty="0"/>
-              <a:t> man </a:t>
-            </a:r>
-            <a:r>
-              <a:rPr lang="fr-FR" dirty="0" err="1"/>
-              <a:t>sinnvoll</a:t>
-            </a:r>
-            <a:r>
-              <a:rPr lang="fr-FR" dirty="0"/>
-              <a:t> die Principes éditoriaux </a:t>
-            </a:r>
-            <a:r>
-              <a:rPr lang="fr-FR" dirty="0" err="1"/>
-              <a:t>strukturieren</a:t>
-            </a:r>
-            <a:r>
-              <a:rPr lang="fr-FR" dirty="0"/>
-              <a:t> (</a:t>
-            </a:r>
-            <a:r>
-              <a:rPr lang="fr-FR" dirty="0" err="1"/>
-              <a:t>normalization</a:t>
-            </a:r>
-            <a:r>
-              <a:rPr lang="fr-FR" dirty="0"/>
-              <a:t>, correction etc.)?</a:t>
-            </a:r>
-          </a:p>
-          <a:p>
-            <a:r>
-              <a:rPr lang="fr-FR" dirty="0" err="1"/>
-              <a:t>Wie</a:t>
-            </a:r>
-            <a:r>
-              <a:rPr lang="fr-FR" dirty="0"/>
-              <a:t> </a:t>
-            </a:r>
-            <a:r>
-              <a:rPr lang="fr-FR" dirty="0" err="1"/>
-              <a:t>lassen</a:t>
-            </a:r>
-            <a:r>
-              <a:rPr lang="fr-FR" dirty="0"/>
-              <a:t> </a:t>
-            </a:r>
-            <a:r>
-              <a:rPr lang="fr-FR" dirty="0" err="1"/>
-              <a:t>sich</a:t>
-            </a:r>
-            <a:r>
-              <a:rPr lang="fr-FR" dirty="0"/>
-              <a:t> die </a:t>
-            </a:r>
-            <a:r>
-              <a:rPr lang="fr-FR" dirty="0" err="1"/>
-              <a:t>einzelnen</a:t>
-            </a:r>
-            <a:r>
-              <a:rPr lang="fr-FR" dirty="0"/>
-              <a:t> </a:t>
-            </a:r>
-            <a:r>
-              <a:rPr lang="fr-FR" dirty="0" err="1"/>
-              <a:t>Sätze</a:t>
-            </a:r>
-            <a:r>
-              <a:rPr lang="fr-FR" dirty="0"/>
-              <a:t> mit </a:t>
-            </a:r>
-            <a:r>
-              <a:rPr lang="fr-FR" dirty="0" err="1"/>
-              <a:t>dem</a:t>
-            </a:r>
-            <a:r>
-              <a:rPr lang="fr-FR" dirty="0"/>
-              <a:t> Parent document </a:t>
-            </a:r>
-            <a:r>
-              <a:rPr lang="fr-FR" dirty="0" err="1"/>
-              <a:t>verbinden</a:t>
-            </a:r>
-            <a:r>
-              <a:rPr lang="fr-FR" dirty="0"/>
-              <a:t>? </a:t>
-            </a:r>
-            <a:r>
-              <a:rPr lang="fr-FR" dirty="0" err="1"/>
-              <a:t>Klappt</a:t>
-            </a:r>
-            <a:r>
-              <a:rPr lang="fr-FR" dirty="0"/>
-              <a:t> </a:t>
-            </a:r>
-            <a:r>
-              <a:rPr lang="fr-FR" dirty="0" err="1"/>
-              <a:t>das</a:t>
-            </a:r>
-            <a:r>
-              <a:rPr lang="fr-FR" dirty="0"/>
-              <a:t> </a:t>
-            </a:r>
-            <a:r>
-              <a:rPr lang="fr-FR" dirty="0" err="1"/>
-              <a:t>so</a:t>
-            </a:r>
-            <a:r>
-              <a:rPr lang="fr-FR" dirty="0"/>
-              <a:t>, </a:t>
-            </a:r>
-            <a:r>
-              <a:rPr lang="fr-FR" dirty="0" err="1"/>
-              <a:t>wie</a:t>
-            </a:r>
-            <a:r>
-              <a:rPr lang="fr-FR" dirty="0"/>
-              <a:t> </a:t>
-            </a:r>
-            <a:r>
-              <a:rPr lang="fr-FR" dirty="0" err="1"/>
-              <a:t>wir</a:t>
-            </a:r>
-            <a:r>
-              <a:rPr lang="fr-FR" dirty="0"/>
-              <a:t> uns </a:t>
-            </a:r>
-            <a:r>
-              <a:rPr lang="fr-FR" dirty="0" err="1"/>
-              <a:t>das</a:t>
-            </a:r>
-            <a:r>
-              <a:rPr lang="fr-FR" dirty="0"/>
-              <a:t> </a:t>
-            </a:r>
-            <a:r>
-              <a:rPr lang="fr-FR" dirty="0" err="1"/>
-              <a:t>vorgestellt</a:t>
-            </a:r>
-            <a:r>
-              <a:rPr lang="fr-FR" dirty="0"/>
-              <a:t> </a:t>
-            </a:r>
-            <a:r>
-              <a:rPr lang="fr-FR" dirty="0" err="1"/>
-              <a:t>haben</a:t>
-            </a:r>
-            <a:r>
-              <a:rPr lang="fr-FR"/>
-              <a:t>?</a:t>
-            </a:r>
-            <a:endParaRPr lang="fr-FR" dirty="0"/>
-          </a:p>
-        </p:txBody>
-      </p:sp>
-      <p:sp>
-        <p:nvSpPr>
-          <p:cNvPr id="4" name="Datumsplatzhalter 3">
+            <p:ph type="body" idx="1"/>
+          </p:nvPr>
+        </p:nvSpPr>
+        <p:spPr/>
+        <p:txBody>
+          <a:bodyPr/>
+          <a:lstStyle/>
+          <a:p>
+            <a:r>
+              <a:rPr lang="fr-FR" dirty="0"/>
+              <a:t>Document mère</a:t>
+            </a:r>
+          </a:p>
+        </p:txBody>
+      </p:sp>
+      <p:sp>
+        <p:nvSpPr>
+          <p:cNvPr id="4" name="Inhaltsplatzhalter 3">
             <a:extLst>
               <a:ext uri="{FF2B5EF4-FFF2-40B4-BE49-F238E27FC236}">
-                <a16:creationId xmlns:a16="http://schemas.microsoft.com/office/drawing/2014/main" id="{F050B459-EF1D-0A16-2975-24FFC1D3BE07}"/>
+                <a16:creationId xmlns:a16="http://schemas.microsoft.com/office/drawing/2014/main" id="{88C7A868-F7BD-DDB2-31F6-42AA826C7BDF}"/>
               </a:ext>
             </a:extLst>
           </p:cNvPr>
@@ -8122,27 +10607,265 @@
             <a:spLocks noGrp="1"/>
           </p:cNvSpPr>
           <p:nvPr>
-            <p:ph type="dt" sz="half" idx="10"/>
-          </p:nvPr>
-        </p:nvSpPr>
-        <p:spPr/>
-        <p:txBody>
-          <a:bodyPr/>
-          <a:lstStyle/>
-          <a:p>
-            <a:r>
-              <a:rPr lang="fr-FR"/>
-              <a:t>11/06/2024</a:t>
-            </a:r>
-          </a:p>
-        </p:txBody>
-      </p:sp>
-      <p:sp>
-        <p:nvSpPr>
-          <p:cNvPr id="5" name="Fußzeilenplatzhalter 4">
+            <p:ph sz="half" idx="2"/>
+          </p:nvPr>
+        </p:nvSpPr>
+        <p:spPr/>
+        <p:txBody>
+          <a:bodyPr>
+            <a:normAutofit fontScale="77500" lnSpcReduction="20000"/>
+          </a:bodyPr>
+          <a:lstStyle/>
+          <a:p>
+            <a:r>
+              <a:rPr lang="fr-FR" dirty="0"/>
+              <a:t>&lt;</a:t>
+            </a:r>
+            <a:r>
+              <a:rPr lang="fr-FR" dirty="0" err="1"/>
+              <a:t>meiHead</a:t>
+            </a:r>
+            <a:r>
+              <a:rPr lang="fr-FR" sz="2500" dirty="0"/>
+              <a:t>&gt; détaillé</a:t>
+            </a:r>
+          </a:p>
+          <a:p>
+            <a:r>
+              <a:rPr lang="fr-FR" sz="2500" dirty="0"/>
+              <a:t>Fait référence aux documents enfants dans le &lt;body&gt; de la manière suivante pour chaque mouvement :</a:t>
+            </a:r>
+          </a:p>
+          <a:p>
+            <a:r>
+              <a:rPr lang="fr-FR" sz="2500" dirty="0">
+                <a:solidFill>
+                  <a:srgbClr val="000000"/>
+                </a:solidFill>
+                <a:highlight>
+                  <a:srgbClr val="FFFFFF"/>
+                </a:highlight>
+              </a:rPr>
+              <a:t> </a:t>
+            </a:r>
+            <a:r>
+              <a:rPr lang="fr-FR" sz="2500" dirty="0">
+                <a:solidFill>
+                  <a:srgbClr val="000096"/>
+                </a:solidFill>
+                <a:highlight>
+                  <a:srgbClr val="FFFFFF"/>
+                </a:highlight>
+              </a:rPr>
+              <a:t>&lt;mdiv</a:t>
+            </a:r>
+            <a:r>
+              <a:rPr lang="fr-FR" sz="2500" dirty="0">
+                <a:solidFill>
+                  <a:srgbClr val="F5844C"/>
+                </a:solidFill>
+                <a:highlight>
+                  <a:srgbClr val="FFFFFF"/>
+                </a:highlight>
+              </a:rPr>
+              <a:t> </a:t>
+            </a:r>
+            <a:r>
+              <a:rPr lang="fr-FR" sz="2500" dirty="0" err="1">
+                <a:solidFill>
+                  <a:srgbClr val="F5844C"/>
+                </a:solidFill>
+                <a:highlight>
+                  <a:srgbClr val="FFFFFF"/>
+                </a:highlight>
+              </a:rPr>
+              <a:t>corresp</a:t>
+            </a:r>
+            <a:r>
+              <a:rPr lang="fr-FR" sz="2500" dirty="0">
+                <a:solidFill>
+                  <a:srgbClr val="FF8040"/>
+                </a:solidFill>
+                <a:highlight>
+                  <a:srgbClr val="FFFFFF"/>
+                </a:highlight>
+              </a:rPr>
+              <a:t>=</a:t>
+            </a:r>
+            <a:r>
+              <a:rPr lang="fr-FR" sz="2500" dirty="0">
+                <a:solidFill>
+                  <a:srgbClr val="993300"/>
+                </a:solidFill>
+                <a:highlight>
+                  <a:srgbClr val="FFFFFF"/>
+                </a:highlight>
+              </a:rPr>
+              <a:t>"https://raw.githubusercontent.com/</a:t>
+            </a:r>
+            <a:r>
+              <a:rPr lang="fr-FR" sz="2500" dirty="0" err="1">
+                <a:solidFill>
+                  <a:srgbClr val="993300"/>
+                </a:solidFill>
+                <a:highlight>
+                  <a:srgbClr val="FFFFFF"/>
+                </a:highlight>
+              </a:rPr>
+              <a:t>SophieReiland</a:t>
+            </a:r>
+            <a:r>
+              <a:rPr lang="fr-FR" sz="2500" dirty="0">
+                <a:solidFill>
+                  <a:srgbClr val="993300"/>
+                </a:solidFill>
+                <a:highlight>
+                  <a:srgbClr val="FFFFFF"/>
+                </a:highlight>
+              </a:rPr>
+              <a:t>/</a:t>
+            </a:r>
+            <a:r>
+              <a:rPr lang="fr-FR" sz="2500" dirty="0" err="1">
+                <a:solidFill>
+                  <a:srgbClr val="993300"/>
+                </a:solidFill>
+                <a:highlight>
+                  <a:srgbClr val="FFFFFF"/>
+                </a:highlight>
+              </a:rPr>
+              <a:t>graupner</a:t>
+            </a:r>
+            <a:r>
+              <a:rPr lang="fr-FR" sz="2500" dirty="0">
+                <a:solidFill>
+                  <a:srgbClr val="993300"/>
+                </a:solidFill>
+                <a:highlight>
+                  <a:srgbClr val="FFFFFF"/>
+                </a:highlight>
+              </a:rPr>
+              <a:t>/main/</a:t>
+            </a:r>
+            <a:r>
+              <a:rPr lang="fr-FR" sz="2500" dirty="0" err="1">
+                <a:solidFill>
+                  <a:srgbClr val="993300"/>
+                </a:solidFill>
+                <a:highlight>
+                  <a:srgbClr val="FFFFFF"/>
+                </a:highlight>
+              </a:rPr>
+              <a:t>mei</a:t>
+            </a:r>
+            <a:r>
+              <a:rPr lang="fr-FR" sz="2500" dirty="0">
+                <a:solidFill>
+                  <a:srgbClr val="993300"/>
+                </a:solidFill>
+                <a:highlight>
+                  <a:srgbClr val="FFFFFF"/>
+                </a:highlight>
+              </a:rPr>
+              <a:t>/</a:t>
+            </a:r>
+            <a:r>
+              <a:rPr lang="fr-FR" sz="2500" dirty="0" err="1">
+                <a:solidFill>
+                  <a:srgbClr val="993300"/>
+                </a:solidFill>
+                <a:highlight>
+                  <a:srgbClr val="FFFFFF"/>
+                </a:highlight>
+              </a:rPr>
+              <a:t>graupner_hertzlich</a:t>
+            </a:r>
+            <a:r>
+              <a:rPr lang="fr-FR" sz="2500" dirty="0">
+                <a:solidFill>
+                  <a:srgbClr val="993300"/>
+                </a:solidFill>
+                <a:highlight>
+                  <a:srgbClr val="FFFFFF"/>
+                </a:highlight>
+              </a:rPr>
+              <a:t>/1_Choral_Herzlich%20tut%20mich%20verlangen.mei?token=GHSAT0AAAAAACN66IC2YXL5LGGQFUWMUZWUZRJ7EIQ"</a:t>
+            </a:r>
+            <a:r>
+              <a:rPr lang="fr-FR" sz="2500" dirty="0">
+                <a:solidFill>
+                  <a:srgbClr val="F5844C"/>
+                </a:solidFill>
+                <a:highlight>
+                  <a:srgbClr val="FFFFFF"/>
+                </a:highlight>
+              </a:rPr>
+              <a:t> </a:t>
+            </a:r>
+            <a:r>
+              <a:rPr lang="fr-FR" sz="2500" dirty="0" err="1">
+                <a:solidFill>
+                  <a:srgbClr val="F5844C"/>
+                </a:solidFill>
+                <a:highlight>
+                  <a:srgbClr val="FFFFFF"/>
+                </a:highlight>
+              </a:rPr>
+              <a:t>xml:id</a:t>
+            </a:r>
+            <a:r>
+              <a:rPr lang="fr-FR" sz="2500" dirty="0">
+                <a:solidFill>
+                  <a:srgbClr val="FF8040"/>
+                </a:solidFill>
+                <a:highlight>
+                  <a:srgbClr val="FFFFFF"/>
+                </a:highlight>
+              </a:rPr>
+              <a:t>=</a:t>
+            </a:r>
+            <a:r>
+              <a:rPr lang="fr-FR" sz="2500" dirty="0">
+                <a:solidFill>
+                  <a:srgbClr val="993300"/>
+                </a:solidFill>
+                <a:highlight>
+                  <a:srgbClr val="FFFFFF"/>
+                </a:highlight>
+              </a:rPr>
+              <a:t>"Choral_Herzlich_01"</a:t>
+            </a:r>
+            <a:r>
+              <a:rPr lang="fr-FR" sz="2500" dirty="0">
+                <a:solidFill>
+                  <a:srgbClr val="000096"/>
+                </a:solidFill>
+                <a:highlight>
+                  <a:srgbClr val="FFFFFF"/>
+                </a:highlight>
+              </a:rPr>
+              <a:t>&gt;&lt;/mdiv&gt;</a:t>
+            </a:r>
+            <a:br>
+              <a:rPr lang="fr-FR" sz="2500" dirty="0">
+                <a:solidFill>
+                  <a:srgbClr val="000000"/>
+                </a:solidFill>
+                <a:highlight>
+                  <a:srgbClr val="FFFFFF"/>
+                </a:highlight>
+              </a:rPr>
+            </a:br>
+            <a:endParaRPr lang="fr-FR" sz="2500" dirty="0"/>
+          </a:p>
+        </p:txBody>
+      </p:sp>
+      <p:sp>
+        <p:nvSpPr>
+          <p:cNvPr id="5" name="Textplatzhalter 4">
             <a:extLst>
               <a:ext uri="{FF2B5EF4-FFF2-40B4-BE49-F238E27FC236}">
-                <a16:creationId xmlns:a16="http://schemas.microsoft.com/office/drawing/2014/main" id="{5263217C-9E6D-C2C4-3622-F5F0DC461282}"/>
+                <a16:creationId xmlns:a16="http://schemas.microsoft.com/office/drawing/2014/main" id="{403F712E-E015-FF6E-4BEC-200ED8CA9BA5}"/>
               </a:ext>
             </a:extLst>
           </p:cNvPr>
@@ -8150,6 +10873,244 @@
             <a:spLocks noGrp="1"/>
           </p:cNvSpPr>
           <p:nvPr>
+            <p:ph type="body" sz="quarter" idx="3"/>
+          </p:nvPr>
+        </p:nvSpPr>
+        <p:spPr/>
+        <p:txBody>
+          <a:bodyPr/>
+          <a:lstStyle/>
+          <a:p>
+            <a:r>
+              <a:rPr lang="fr-FR" dirty="0"/>
+              <a:t>7 documents enfant</a:t>
+            </a:r>
+          </a:p>
+        </p:txBody>
+      </p:sp>
+      <p:sp>
+        <p:nvSpPr>
+          <p:cNvPr id="6" name="Inhaltsplatzhalter 5">
+            <a:extLst>
+              <a:ext uri="{FF2B5EF4-FFF2-40B4-BE49-F238E27FC236}">
+                <a16:creationId xmlns:a16="http://schemas.microsoft.com/office/drawing/2014/main" id="{BAD5A6B8-5EF8-6273-BEE8-19C10C60D6E6}"/>
+              </a:ext>
+            </a:extLst>
+          </p:cNvPr>
+          <p:cNvSpPr>
+            <a:spLocks noGrp="1"/>
+          </p:cNvSpPr>
+          <p:nvPr>
+            <p:ph sz="quarter" idx="4"/>
+          </p:nvPr>
+        </p:nvSpPr>
+        <p:spPr/>
+        <p:txBody>
+          <a:bodyPr>
+            <a:normAutofit fontScale="77500" lnSpcReduction="20000"/>
+          </a:bodyPr>
+          <a:lstStyle/>
+          <a:p>
+            <a:r>
+              <a:rPr lang="fr-FR" dirty="0"/>
+              <a:t>Fait référence au document mère comme suit:</a:t>
+            </a:r>
+          </a:p>
+          <a:p>
+            <a:pPr marL="36900" indent="0">
+              <a:buNone/>
+            </a:pPr>
+            <a:r>
+              <a:rPr lang="fr-FR" dirty="0">
+                <a:solidFill>
+                  <a:srgbClr val="0000FF"/>
+                </a:solidFill>
+                <a:highlight>
+                  <a:srgbClr val="FFFFFF"/>
+                </a:highlight>
+              </a:rPr>
+              <a:t>&lt;!DOCTYPE doc [</a:t>
+            </a:r>
+            <a:br>
+              <a:rPr lang="fr-FR" dirty="0">
+                <a:solidFill>
+                  <a:srgbClr val="000000"/>
+                </a:solidFill>
+                <a:highlight>
+                  <a:srgbClr val="FFFFFF"/>
+                </a:highlight>
+              </a:rPr>
+            </a:br>
+            <a:r>
+              <a:rPr lang="fr-FR" dirty="0">
+                <a:solidFill>
+                  <a:srgbClr val="0000FF"/>
+                </a:solidFill>
+                <a:highlight>
+                  <a:srgbClr val="FFFFFF"/>
+                </a:highlight>
+              </a:rPr>
+              <a:t>&lt;!ENTITY </a:t>
+            </a:r>
+            <a:r>
+              <a:rPr lang="fr-FR" dirty="0" err="1">
+                <a:solidFill>
+                  <a:srgbClr val="0000FF"/>
+                </a:solidFill>
+                <a:highlight>
+                  <a:srgbClr val="FFFFFF"/>
+                </a:highlight>
+              </a:rPr>
+              <a:t>parentScore</a:t>
+            </a:r>
+            <a:r>
+              <a:rPr lang="fr-FR" dirty="0">
+                <a:solidFill>
+                  <a:srgbClr val="0000FF"/>
+                </a:solidFill>
+                <a:highlight>
+                  <a:srgbClr val="FFFFFF"/>
+                </a:highlight>
+              </a:rPr>
+              <a:t> SYSTEM "0_Mere_Herzlich tut </a:t>
+            </a:r>
+            <a:r>
+              <a:rPr lang="fr-FR" dirty="0" err="1">
+                <a:solidFill>
+                  <a:srgbClr val="0000FF"/>
+                </a:solidFill>
+                <a:highlight>
+                  <a:srgbClr val="FFFFFF"/>
+                </a:highlight>
+              </a:rPr>
+              <a:t>mich</a:t>
+            </a:r>
+            <a:r>
+              <a:rPr lang="fr-FR" dirty="0">
+                <a:solidFill>
+                  <a:srgbClr val="0000FF"/>
+                </a:solidFill>
+                <a:highlight>
+                  <a:srgbClr val="FFFFFF"/>
+                </a:highlight>
+              </a:rPr>
+              <a:t> </a:t>
+            </a:r>
+            <a:r>
+              <a:rPr lang="fr-FR" dirty="0" err="1">
+                <a:solidFill>
+                  <a:srgbClr val="0000FF"/>
+                </a:solidFill>
+                <a:highlight>
+                  <a:srgbClr val="FFFFFF"/>
+                </a:highlight>
+              </a:rPr>
+              <a:t>verlangen.mei</a:t>
+            </a:r>
+            <a:r>
+              <a:rPr lang="fr-FR" dirty="0">
+                <a:solidFill>
+                  <a:srgbClr val="0000FF"/>
+                </a:solidFill>
+                <a:highlight>
+                  <a:srgbClr val="FFFFFF"/>
+                </a:highlight>
+              </a:rPr>
+              <a:t>"&gt;</a:t>
+            </a:r>
+            <a:br>
+              <a:rPr lang="fr-FR" dirty="0">
+                <a:solidFill>
+                  <a:srgbClr val="000000"/>
+                </a:solidFill>
+                <a:highlight>
+                  <a:srgbClr val="FFFFFF"/>
+                </a:highlight>
+              </a:rPr>
+            </a:br>
+            <a:r>
+              <a:rPr lang="fr-FR" dirty="0">
+                <a:solidFill>
+                  <a:srgbClr val="0000FF"/>
+                </a:solidFill>
+                <a:highlight>
+                  <a:srgbClr val="FFFFFF"/>
+                </a:highlight>
+              </a:rPr>
+              <a:t>]&gt;</a:t>
+            </a:r>
+          </a:p>
+          <a:p>
+            <a:pPr marL="36900" indent="0">
+              <a:buNone/>
+            </a:pPr>
+            <a:r>
+              <a:rPr lang="fr-FR" dirty="0">
+                <a:sym typeface="Wingdings" panose="05000000000000000000" pitchFamily="2" charset="2"/>
+              </a:rPr>
+              <a:t> Ne marche pas encore !</a:t>
+            </a:r>
+            <a:endParaRPr lang="fr-FR" dirty="0"/>
+          </a:p>
+          <a:p>
+            <a:r>
+              <a:rPr lang="fr-FR" dirty="0" err="1"/>
+              <a:t>meiHead</a:t>
+            </a:r>
+            <a:r>
+              <a:rPr lang="fr-FR" dirty="0"/>
+              <a:t> réduit </a:t>
+            </a:r>
+          </a:p>
+          <a:p>
+            <a:r>
+              <a:rPr lang="fr-FR" dirty="0"/>
+              <a:t>Inclut le body avec le texte musicale</a:t>
+            </a:r>
+          </a:p>
+        </p:txBody>
+      </p:sp>
+      <p:sp>
+        <p:nvSpPr>
+          <p:cNvPr id="7" name="Datumsplatzhalter 6">
+            <a:extLst>
+              <a:ext uri="{FF2B5EF4-FFF2-40B4-BE49-F238E27FC236}">
+                <a16:creationId xmlns:a16="http://schemas.microsoft.com/office/drawing/2014/main" id="{3FDE1B70-E816-E888-30B3-D2758BECF4F4}"/>
+              </a:ext>
+            </a:extLst>
+          </p:cNvPr>
+          <p:cNvSpPr>
+            <a:spLocks noGrp="1"/>
+          </p:cNvSpPr>
+          <p:nvPr>
+            <p:ph type="dt" sz="half" idx="10"/>
+          </p:nvPr>
+        </p:nvSpPr>
+        <p:spPr/>
+        <p:txBody>
+          <a:bodyPr/>
+          <a:lstStyle/>
+          <a:p>
+            <a:r>
+              <a:rPr lang="fr-FR"/>
+              <a:t>11/06/2024</a:t>
+            </a:r>
+          </a:p>
+        </p:txBody>
+      </p:sp>
+      <p:sp>
+        <p:nvSpPr>
+          <p:cNvPr id="8" name="Fußzeilenplatzhalter 7">
+            <a:extLst>
+              <a:ext uri="{FF2B5EF4-FFF2-40B4-BE49-F238E27FC236}">
+                <a16:creationId xmlns:a16="http://schemas.microsoft.com/office/drawing/2014/main" id="{2760D85D-6195-E276-E9C7-D3E63878B0A4}"/>
+              </a:ext>
+            </a:extLst>
+          </p:cNvPr>
+          <p:cNvSpPr>
+            <a:spLocks noGrp="1"/>
+          </p:cNvSpPr>
+          <p:nvPr>
             <p:ph type="ftr" sz="quarter" idx="11"/>
           </p:nvPr>
         </p:nvSpPr>
@@ -8167,10 +11128,10 @@
       </p:sp>
       <p:sp>
         <p:nvSpPr>
-          <p:cNvPr id="6" name="Foliennummernplatzhalter 5">
+          <p:cNvPr id="9" name="Foliennummernplatzhalter 8">
             <a:extLst>
               <a:ext uri="{FF2B5EF4-FFF2-40B4-BE49-F238E27FC236}">
-                <a16:creationId xmlns:a16="http://schemas.microsoft.com/office/drawing/2014/main" id="{3B57D211-357A-F4A8-553A-B45578823A29}"/>
+                <a16:creationId xmlns:a16="http://schemas.microsoft.com/office/drawing/2014/main" id="{FF198E62-0303-FDD9-8313-2282F929E7A6}"/>
               </a:ext>
             </a:extLst>
           </p:cNvPr>
@@ -8197,7 +11158,7 @@
     </p:spTree>
     <p:extLst>
       <p:ext uri="{BB962C8B-B14F-4D97-AF65-F5344CB8AC3E}">
-        <p14:creationId xmlns:p14="http://schemas.microsoft.com/office/powerpoint/2010/main" val="1502748867"/>
+        <p14:creationId xmlns:p14="http://schemas.microsoft.com/office/powerpoint/2010/main" val="2672114247"/>
       </p:ext>
     </p:extLst>
   </p:cSld>
@@ -8229,7 +11190,7 @@
           <p:cNvPr id="2" name="Titel 1">
             <a:extLst>
               <a:ext uri="{FF2B5EF4-FFF2-40B4-BE49-F238E27FC236}">
-                <a16:creationId xmlns:a16="http://schemas.microsoft.com/office/drawing/2014/main" id="{7875BE19-7A16-502B-6D11-79C092B4275B}"/>
+                <a16:creationId xmlns:a16="http://schemas.microsoft.com/office/drawing/2014/main" id="{64DDB47F-11CD-824F-4104-85AED3BBEF47}"/>
               </a:ext>
             </a:extLst>
           </p:cNvPr>
@@ -8247,8 +11208,33 @@
           <a:p>
             <a:r>
               <a:rPr lang="fr-FR" dirty="0"/>
-              <a:t>Body</a:t>
-            </a:r>
+              <a:t>Document mère : Header</a:t>
+            </a:r>
+          </a:p>
+        </p:txBody>
+      </p:sp>
+      <p:sp>
+        <p:nvSpPr>
+          <p:cNvPr id="3" name="Textplatzhalter 2">
+            <a:extLst>
+              <a:ext uri="{FF2B5EF4-FFF2-40B4-BE49-F238E27FC236}">
+                <a16:creationId xmlns:a16="http://schemas.microsoft.com/office/drawing/2014/main" id="{5A0C4382-5753-B338-0671-300761322D02}"/>
+              </a:ext>
+            </a:extLst>
+          </p:cNvPr>
+          <p:cNvSpPr>
+            <a:spLocks noGrp="1"/>
+          </p:cNvSpPr>
+          <p:nvPr>
+            <p:ph type="body" idx="1"/>
+          </p:nvPr>
+        </p:nvSpPr>
+        <p:spPr/>
+        <p:txBody>
+          <a:bodyPr/>
+          <a:lstStyle/>
+          <a:p>
+            <a:endParaRPr lang="fr-FR"/>
           </a:p>
         </p:txBody>
       </p:sp>
@@ -8257,7 +11243,7 @@
           <p:cNvPr id="4" name="Datumsplatzhalter 3">
             <a:extLst>
               <a:ext uri="{FF2B5EF4-FFF2-40B4-BE49-F238E27FC236}">
-                <a16:creationId xmlns:a16="http://schemas.microsoft.com/office/drawing/2014/main" id="{7DC2C45D-D741-ADB6-F6DF-812A110A4D58}"/>
+                <a16:creationId xmlns:a16="http://schemas.microsoft.com/office/drawing/2014/main" id="{050638AC-0B4D-95D6-B0A4-B23D6C5701EA}"/>
               </a:ext>
             </a:extLst>
           </p:cNvPr>
@@ -8285,7 +11271,7 @@
           <p:cNvPr id="5" name="Fußzeilenplatzhalter 4">
             <a:extLst>
               <a:ext uri="{FF2B5EF4-FFF2-40B4-BE49-F238E27FC236}">
-                <a16:creationId xmlns:a16="http://schemas.microsoft.com/office/drawing/2014/main" id="{31D4013A-9401-1D9D-187A-3380620768BC}"/>
+                <a16:creationId xmlns:a16="http://schemas.microsoft.com/office/drawing/2014/main" id="{42239683-3E24-D980-827E-C109CB8E6E89}"/>
               </a:ext>
             </a:extLst>
           </p:cNvPr>
@@ -8313,7 +11299,7 @@
           <p:cNvPr id="6" name="Foliennummernplatzhalter 5">
             <a:extLst>
               <a:ext uri="{FF2B5EF4-FFF2-40B4-BE49-F238E27FC236}">
-                <a16:creationId xmlns:a16="http://schemas.microsoft.com/office/drawing/2014/main" id="{305A819E-14F2-3651-36F9-4A99714938C5}"/>
+                <a16:creationId xmlns:a16="http://schemas.microsoft.com/office/drawing/2014/main" id="{51B7419B-A348-713E-04D6-99453C2F3D47}"/>
               </a:ext>
             </a:extLst>
           </p:cNvPr>
@@ -8340,7 +11326,494 @@
     </p:spTree>
     <p:extLst>
       <p:ext uri="{BB962C8B-B14F-4D97-AF65-F5344CB8AC3E}">
-        <p14:creationId xmlns:p14="http://schemas.microsoft.com/office/powerpoint/2010/main" val="2341228808"/>
+        <p14:creationId xmlns:p14="http://schemas.microsoft.com/office/powerpoint/2010/main" val="1160511164"/>
+      </p:ext>
+    </p:extLst>
+  </p:cSld>
+  <p:clrMapOvr>
+    <a:masterClrMapping/>
+  </p:clrMapOvr>
+</p:sld>
+</file>
+
+<file path=ppt/slides/slide8.xml><?xml version="1.0" encoding="utf-8"?>
+<p:sld xmlns:a="http://schemas.openxmlformats.org/drawingml/2006/main" xmlns:r="http://schemas.openxmlformats.org/officeDocument/2006/relationships" xmlns:p="http://schemas.openxmlformats.org/presentationml/2006/main">
+  <p:cSld>
+    <p:spTree>
+      <p:nvGrpSpPr>
+        <p:cNvPr id="1" name=""/>
+        <p:cNvGrpSpPr/>
+        <p:nvPr/>
+      </p:nvGrpSpPr>
+      <p:grpSpPr>
+        <a:xfrm>
+          <a:off x="0" y="0"/>
+          <a:ext cx="0" cy="0"/>
+          <a:chOff x="0" y="0"/>
+          <a:chExt cx="0" cy="0"/>
+        </a:xfrm>
+      </p:grpSpPr>
+      <p:sp>
+        <p:nvSpPr>
+          <p:cNvPr id="7" name="Titel 6">
+            <a:extLst>
+              <a:ext uri="{FF2B5EF4-FFF2-40B4-BE49-F238E27FC236}">
+                <a16:creationId xmlns:a16="http://schemas.microsoft.com/office/drawing/2014/main" id="{6030C4E7-5AD5-2B5E-64FB-278681E44F38}"/>
+              </a:ext>
+            </a:extLst>
+          </p:cNvPr>
+          <p:cNvSpPr>
+            <a:spLocks noGrp="1"/>
+          </p:cNvSpPr>
+          <p:nvPr>
+            <p:ph type="title"/>
+          </p:nvPr>
+        </p:nvSpPr>
+        <p:spPr/>
+        <p:txBody>
+          <a:bodyPr/>
+          <a:lstStyle/>
+          <a:p>
+            <a:r>
+              <a:rPr lang="fr-FR" dirty="0"/>
+              <a:t>Les plus importants XML:ID (1)</a:t>
+            </a:r>
+          </a:p>
+        </p:txBody>
+      </p:sp>
+      <p:sp>
+        <p:nvSpPr>
+          <p:cNvPr id="8" name="Inhaltsplatzhalter 7">
+            <a:extLst>
+              <a:ext uri="{FF2B5EF4-FFF2-40B4-BE49-F238E27FC236}">
+                <a16:creationId xmlns:a16="http://schemas.microsoft.com/office/drawing/2014/main" id="{380F1966-58C5-A0F2-1334-511BDBA3B89F}"/>
+              </a:ext>
+            </a:extLst>
+          </p:cNvPr>
+          <p:cNvSpPr>
+            <a:spLocks noGrp="1"/>
+          </p:cNvSpPr>
+          <p:nvPr>
+            <p:ph idx="1"/>
+          </p:nvPr>
+        </p:nvSpPr>
+        <p:spPr/>
+        <p:txBody>
+          <a:bodyPr>
+            <a:normAutofit fontScale="92500" lnSpcReduction="20000"/>
+          </a:bodyPr>
+          <a:lstStyle/>
+          <a:p>
+            <a:r>
+              <a:rPr lang="fr-FR" dirty="0"/>
+              <a:t>… pour le compositeur : « </a:t>
+            </a:r>
+            <a:r>
+              <a:rPr lang="fr-FR" dirty="0" err="1"/>
+              <a:t>graupnerC</a:t>
+            </a:r>
+            <a:r>
+              <a:rPr lang="fr-FR" dirty="0"/>
+              <a:t> »</a:t>
+            </a:r>
+          </a:p>
+          <a:p>
+            <a:r>
+              <a:rPr lang="fr-FR" dirty="0"/>
+              <a:t>… pour le librettiste : « </a:t>
+            </a:r>
+            <a:r>
+              <a:rPr lang="fr-FR" dirty="0" err="1"/>
+              <a:t>lichtenbergJC</a:t>
+            </a:r>
+            <a:r>
+              <a:rPr lang="fr-FR" dirty="0"/>
+              <a:t> »</a:t>
+            </a:r>
+          </a:p>
+          <a:p>
+            <a:r>
+              <a:rPr lang="fr-FR" dirty="0"/>
+              <a:t>…pour la source primaire, à savoir les parties séparées : « </a:t>
+            </a:r>
+            <a:r>
+              <a:rPr lang="fr-FR" dirty="0" err="1"/>
+              <a:t>source_A</a:t>
+            </a:r>
+            <a:r>
+              <a:rPr lang="fr-FR" dirty="0"/>
+              <a:t> »</a:t>
+            </a:r>
+          </a:p>
+          <a:p>
+            <a:r>
+              <a:rPr lang="fr-FR" dirty="0"/>
+              <a:t>… pour la source secondaire, à savoir la partition générale : « </a:t>
+            </a:r>
+            <a:r>
+              <a:rPr lang="fr-FR" dirty="0" err="1"/>
+              <a:t>source_B</a:t>
+            </a:r>
+            <a:r>
+              <a:rPr lang="fr-FR" dirty="0"/>
+              <a:t> »</a:t>
+            </a:r>
+          </a:p>
+          <a:p>
+            <a:r>
+              <a:rPr lang="fr-FR" dirty="0"/>
+              <a:t>… pour la source littéraire, à savoir le livret imprimé : « </a:t>
+            </a:r>
+            <a:r>
+              <a:rPr lang="fr-FR" dirty="0" err="1"/>
+              <a:t>source_C</a:t>
+            </a:r>
+            <a:r>
+              <a:rPr lang="fr-FR" dirty="0"/>
+              <a:t> »</a:t>
+            </a:r>
+          </a:p>
+          <a:p>
+            <a:r>
+              <a:rPr lang="fr-FR" dirty="0"/>
+              <a:t>… pour la manifestation physique de la source musicale (qui se </a:t>
+            </a:r>
+            <a:r>
+              <a:rPr lang="fr-FR" dirty="0" err="1"/>
+              <a:t>sousdivise</a:t>
+            </a:r>
+            <a:r>
+              <a:rPr lang="fr-FR" dirty="0"/>
+              <a:t> entre la partition générale (source B) et les parties séparées (source A)) : « manifestation_1 »</a:t>
+            </a:r>
+          </a:p>
+          <a:p>
+            <a:r>
+              <a:rPr lang="fr-FR" dirty="0"/>
+              <a:t>… pour la manifestation physique de la source A (qui fait partie de la manifestation 1) : « manifestation_1_source_A »</a:t>
+            </a:r>
+          </a:p>
+          <a:p>
+            <a:r>
+              <a:rPr lang="fr-FR" dirty="0"/>
+              <a:t>… pour la manifestation physique de la source B (qui fait partie de la manifestation 1) : « manifestation_1_source_B »</a:t>
+            </a:r>
+          </a:p>
+          <a:p>
+            <a:r>
+              <a:rPr lang="fr-FR" dirty="0"/>
+              <a:t>… pour la manifestation physique de la source C : « manifestation_2 »</a:t>
+            </a:r>
+          </a:p>
+          <a:p>
+            <a:pPr marL="36900" indent="0">
+              <a:buNone/>
+            </a:pPr>
+            <a:endParaRPr lang="fr-FR" dirty="0"/>
+          </a:p>
+          <a:p>
+            <a:endParaRPr lang="fr-FR" dirty="0"/>
+          </a:p>
+        </p:txBody>
+      </p:sp>
+      <p:sp>
+        <p:nvSpPr>
+          <p:cNvPr id="4" name="Datumsplatzhalter 3">
+            <a:extLst>
+              <a:ext uri="{FF2B5EF4-FFF2-40B4-BE49-F238E27FC236}">
+                <a16:creationId xmlns:a16="http://schemas.microsoft.com/office/drawing/2014/main" id="{3AABA8DA-B5E2-0858-E7E3-17C20DFFCAF1}"/>
+              </a:ext>
+            </a:extLst>
+          </p:cNvPr>
+          <p:cNvSpPr>
+            <a:spLocks noGrp="1"/>
+          </p:cNvSpPr>
+          <p:nvPr>
+            <p:ph type="dt" sz="half" idx="10"/>
+          </p:nvPr>
+        </p:nvSpPr>
+        <p:spPr/>
+        <p:txBody>
+          <a:bodyPr/>
+          <a:lstStyle/>
+          <a:p>
+            <a:r>
+              <a:rPr lang="fr-FR"/>
+              <a:t>11/06/2024</a:t>
+            </a:r>
+          </a:p>
+        </p:txBody>
+      </p:sp>
+      <p:sp>
+        <p:nvSpPr>
+          <p:cNvPr id="5" name="Fußzeilenplatzhalter 4">
+            <a:extLst>
+              <a:ext uri="{FF2B5EF4-FFF2-40B4-BE49-F238E27FC236}">
+                <a16:creationId xmlns:a16="http://schemas.microsoft.com/office/drawing/2014/main" id="{31DFF5C7-79D0-97C2-321B-39F6F4233C4E}"/>
+              </a:ext>
+            </a:extLst>
+          </p:cNvPr>
+          <p:cNvSpPr>
+            <a:spLocks noGrp="1"/>
+          </p:cNvSpPr>
+          <p:nvPr>
+            <p:ph type="ftr" sz="quarter" idx="11"/>
+          </p:nvPr>
+        </p:nvSpPr>
+        <p:spPr/>
+        <p:txBody>
+          <a:bodyPr/>
+          <a:lstStyle/>
+          <a:p>
+            <a:r>
+              <a:rPr lang="fr-FR"/>
+              <a:t>Sophie Reiland-Mézil, Sorbonne Université</a:t>
+            </a:r>
+          </a:p>
+        </p:txBody>
+      </p:sp>
+      <p:sp>
+        <p:nvSpPr>
+          <p:cNvPr id="6" name="Foliennummernplatzhalter 5">
+            <a:extLst>
+              <a:ext uri="{FF2B5EF4-FFF2-40B4-BE49-F238E27FC236}">
+                <a16:creationId xmlns:a16="http://schemas.microsoft.com/office/drawing/2014/main" id="{ADA32BC6-30D2-1342-E076-449019B6EDB1}"/>
+              </a:ext>
+            </a:extLst>
+          </p:cNvPr>
+          <p:cNvSpPr>
+            <a:spLocks noGrp="1"/>
+          </p:cNvSpPr>
+          <p:nvPr>
+            <p:ph type="sldNum" sz="quarter" idx="12"/>
+          </p:nvPr>
+        </p:nvSpPr>
+        <p:spPr/>
+        <p:txBody>
+          <a:bodyPr/>
+          <a:lstStyle/>
+          <a:p>
+            <a:fld id="{6DF8D168-963E-48B1-A7EC-C96E46BCD5F7}" type="slidenum">
+              <a:rPr lang="fr-FR" smtClean="0"/>
+              <a:t>8</a:t>
+            </a:fld>
+            <a:endParaRPr lang="fr-FR"/>
+          </a:p>
+        </p:txBody>
+      </p:sp>
+    </p:spTree>
+    <p:extLst>
+      <p:ext uri="{BB962C8B-B14F-4D97-AF65-F5344CB8AC3E}">
+        <p14:creationId xmlns:p14="http://schemas.microsoft.com/office/powerpoint/2010/main" val="4070782146"/>
+      </p:ext>
+    </p:extLst>
+  </p:cSld>
+  <p:clrMapOvr>
+    <a:masterClrMapping/>
+  </p:clrMapOvr>
+</p:sld>
+</file>
+
+<file path=ppt/slides/slide9.xml><?xml version="1.0" encoding="utf-8"?>
+<p:sld xmlns:a="http://schemas.openxmlformats.org/drawingml/2006/main" xmlns:r="http://schemas.openxmlformats.org/officeDocument/2006/relationships" xmlns:p="http://schemas.openxmlformats.org/presentationml/2006/main">
+  <p:cSld>
+    <p:spTree>
+      <p:nvGrpSpPr>
+        <p:cNvPr id="1" name=""/>
+        <p:cNvGrpSpPr/>
+        <p:nvPr/>
+      </p:nvGrpSpPr>
+      <p:grpSpPr>
+        <a:xfrm>
+          <a:off x="0" y="0"/>
+          <a:ext cx="0" cy="0"/>
+          <a:chOff x="0" y="0"/>
+          <a:chExt cx="0" cy="0"/>
+        </a:xfrm>
+      </p:grpSpPr>
+      <p:sp>
+        <p:nvSpPr>
+          <p:cNvPr id="2" name="Titel 1">
+            <a:extLst>
+              <a:ext uri="{FF2B5EF4-FFF2-40B4-BE49-F238E27FC236}">
+                <a16:creationId xmlns:a16="http://schemas.microsoft.com/office/drawing/2014/main" id="{60B9430D-428B-0794-7296-EF7EB66EDDE9}"/>
+              </a:ext>
+            </a:extLst>
+          </p:cNvPr>
+          <p:cNvSpPr>
+            <a:spLocks noGrp="1"/>
+          </p:cNvSpPr>
+          <p:nvPr>
+            <p:ph type="title"/>
+          </p:nvPr>
+        </p:nvSpPr>
+        <p:spPr/>
+        <p:txBody>
+          <a:bodyPr/>
+          <a:lstStyle/>
+          <a:p>
+            <a:r>
+              <a:rPr lang="fr-FR" dirty="0"/>
+              <a:t>Les plus importants XML:ID (2)</a:t>
+            </a:r>
+          </a:p>
+        </p:txBody>
+      </p:sp>
+      <p:sp>
+        <p:nvSpPr>
+          <p:cNvPr id="3" name="Inhaltsplatzhalter 2">
+            <a:extLst>
+              <a:ext uri="{FF2B5EF4-FFF2-40B4-BE49-F238E27FC236}">
+                <a16:creationId xmlns:a16="http://schemas.microsoft.com/office/drawing/2014/main" id="{C05A360B-8CA4-D08C-D917-19C688DDBBDF}"/>
+              </a:ext>
+            </a:extLst>
+          </p:cNvPr>
+          <p:cNvSpPr>
+            <a:spLocks noGrp="1"/>
+          </p:cNvSpPr>
+          <p:nvPr>
+            <p:ph idx="1"/>
+          </p:nvPr>
+        </p:nvSpPr>
+        <p:spPr/>
+        <p:txBody>
+          <a:bodyPr/>
+          <a:lstStyle/>
+          <a:p>
+            <a:r>
+              <a:rPr lang="fr-FR" dirty="0"/>
+              <a:t>… pour la foliotation probablement fait par </a:t>
+            </a:r>
+            <a:r>
+              <a:rPr lang="fr-FR" dirty="0" err="1"/>
+              <a:t>Graupner</a:t>
+            </a:r>
+            <a:r>
+              <a:rPr lang="fr-FR" dirty="0"/>
+              <a:t> : « </a:t>
+            </a:r>
+            <a:r>
+              <a:rPr lang="fr-FR" dirty="0" err="1"/>
+              <a:t>foliotationgraupner</a:t>
+            </a:r>
+            <a:r>
+              <a:rPr lang="fr-FR" dirty="0"/>
+              <a:t> »</a:t>
+            </a:r>
+          </a:p>
+          <a:p>
+            <a:r>
+              <a:rPr lang="fr-FR" dirty="0"/>
+              <a:t>… pour la foliotation fait par </a:t>
+            </a:r>
+            <a:r>
+              <a:rPr lang="fr-FR" dirty="0" err="1"/>
+              <a:t>Niebergall</a:t>
+            </a:r>
+            <a:r>
+              <a:rPr lang="fr-FR" dirty="0"/>
+              <a:t> (bibliothécaire au XIXe siècle) : « </a:t>
+            </a:r>
+            <a:r>
+              <a:rPr lang="fr-FR" dirty="0" err="1"/>
+              <a:t>foliotationNiebergall</a:t>
+            </a:r>
+            <a:r>
+              <a:rPr lang="fr-FR" dirty="0"/>
+              <a:t> »</a:t>
+            </a:r>
+          </a:p>
+        </p:txBody>
+      </p:sp>
+      <p:sp>
+        <p:nvSpPr>
+          <p:cNvPr id="4" name="Datumsplatzhalter 3">
+            <a:extLst>
+              <a:ext uri="{FF2B5EF4-FFF2-40B4-BE49-F238E27FC236}">
+                <a16:creationId xmlns:a16="http://schemas.microsoft.com/office/drawing/2014/main" id="{5F50A3F1-CCBA-143A-2968-CC40F6185506}"/>
+              </a:ext>
+            </a:extLst>
+          </p:cNvPr>
+          <p:cNvSpPr>
+            <a:spLocks noGrp="1"/>
+          </p:cNvSpPr>
+          <p:nvPr>
+            <p:ph type="dt" sz="half" idx="10"/>
+          </p:nvPr>
+        </p:nvSpPr>
+        <p:spPr/>
+        <p:txBody>
+          <a:bodyPr/>
+          <a:lstStyle/>
+          <a:p>
+            <a:r>
+              <a:rPr lang="fr-FR"/>
+              <a:t>11/06/2024</a:t>
+            </a:r>
+          </a:p>
+        </p:txBody>
+      </p:sp>
+      <p:sp>
+        <p:nvSpPr>
+          <p:cNvPr id="5" name="Fußzeilenplatzhalter 4">
+            <a:extLst>
+              <a:ext uri="{FF2B5EF4-FFF2-40B4-BE49-F238E27FC236}">
+                <a16:creationId xmlns:a16="http://schemas.microsoft.com/office/drawing/2014/main" id="{0FAE07E5-6F51-3DBA-97D9-87A9780F0816}"/>
+              </a:ext>
+            </a:extLst>
+          </p:cNvPr>
+          <p:cNvSpPr>
+            <a:spLocks noGrp="1"/>
+          </p:cNvSpPr>
+          <p:nvPr>
+            <p:ph type="ftr" sz="quarter" idx="11"/>
+          </p:nvPr>
+        </p:nvSpPr>
+        <p:spPr/>
+        <p:txBody>
+          <a:bodyPr/>
+          <a:lstStyle/>
+          <a:p>
+            <a:r>
+              <a:rPr lang="fr-FR"/>
+              <a:t>Sophie Reiland-Mézil, Sorbonne Université</a:t>
+            </a:r>
+          </a:p>
+        </p:txBody>
+      </p:sp>
+      <p:sp>
+        <p:nvSpPr>
+          <p:cNvPr id="6" name="Foliennummernplatzhalter 5">
+            <a:extLst>
+              <a:ext uri="{FF2B5EF4-FFF2-40B4-BE49-F238E27FC236}">
+                <a16:creationId xmlns:a16="http://schemas.microsoft.com/office/drawing/2014/main" id="{22A34574-C534-F40A-8A0D-833F6E9614FF}"/>
+              </a:ext>
+            </a:extLst>
+          </p:cNvPr>
+          <p:cNvSpPr>
+            <a:spLocks noGrp="1"/>
+          </p:cNvSpPr>
+          <p:nvPr>
+            <p:ph type="sldNum" sz="quarter" idx="12"/>
+          </p:nvPr>
+        </p:nvSpPr>
+        <p:spPr/>
+        <p:txBody>
+          <a:bodyPr/>
+          <a:lstStyle/>
+          <a:p>
+            <a:fld id="{6DF8D168-963E-48B1-A7EC-C96E46BCD5F7}" type="slidenum">
+              <a:rPr lang="fr-FR" smtClean="0"/>
+              <a:t>9</a:t>
+            </a:fld>
+            <a:endParaRPr lang="fr-FR"/>
+          </a:p>
+        </p:txBody>
+      </p:sp>
+    </p:spTree>
+    <p:extLst>
+      <p:ext uri="{BB962C8B-B14F-4D97-AF65-F5344CB8AC3E}">
+        <p14:creationId xmlns:p14="http://schemas.microsoft.com/office/powerpoint/2010/main" val="2837447811"/>
       </p:ext>
     </p:extLst>
   </p:cSld>

--- a/mei/graupner_hertzlich/Présentation_groupe_MEI.pptx
+++ b/mei/graupner_hertzlich/Présentation_groupe_MEI.pptx
@@ -10385,15 +10385,7 @@
           <a:p>
             <a:r>
               <a:rPr lang="fr-FR" dirty="0"/>
-              <a:t>relation entre parent et </a:t>
-            </a:r>
-            <a:r>
-              <a:rPr lang="fr-FR" dirty="0" err="1"/>
-              <a:t>child</a:t>
-            </a:r>
-            <a:r>
-              <a:rPr lang="fr-FR" dirty="0"/>
-              <a:t> document</a:t>
+              <a:t>relation entre document parent et enfant</a:t>
             </a:r>
           </a:p>
         </p:txBody>

--- a/mei/graupner_hertzlich/Présentation_groupe_MEI.pptx
+++ b/mei/graupner_hertzlich/Présentation_groupe_MEI.pptx
@@ -6451,8 +6451,16 @@
           <a:lstStyle/>
           <a:p>
             <a:r>
+              <a:rPr lang="fr-FR" i="1" dirty="0" err="1"/>
+              <a:t>Änderung</a:t>
+            </a:r>
+            <a:r>
+              <a:rPr lang="fr-FR" i="1"/>
+              <a:t> Herzlich </a:t>
+            </a:r>
+            <a:r>
               <a:rPr lang="fr-FR" i="1" dirty="0"/>
-              <a:t>Herzlich tut </a:t>
+              <a:t>tut </a:t>
             </a:r>
             <a:r>
               <a:rPr lang="fr-FR" i="1" dirty="0" err="1"/>
